--- a/Project 7 P 7 presentation Powerpoint.pptx
+++ b/Project 7 P 7 presentation Powerpoint.pptx
@@ -8,6 +8,9 @@
     <p:sldMasterId id="2147483687" r:id="rId4"/>
     <p:sldMasterId id="2147483700" r:id="rId5"/>
   </p:sldMasterIdLst>
+  <p:notesMasterIdLst>
+    <p:notesMasterId r:id="rId26"/>
+  </p:notesMasterIdLst>
   <p:sldIdLst>
     <p:sldId id="256" r:id="rId6"/>
     <p:sldId id="274" r:id="rId7"/>
@@ -18,16 +21,17 @@
     <p:sldId id="261" r:id="rId12"/>
     <p:sldId id="262" r:id="rId13"/>
     <p:sldId id="263" r:id="rId14"/>
-    <p:sldId id="264" r:id="rId15"/>
-    <p:sldId id="265" r:id="rId16"/>
-    <p:sldId id="266" r:id="rId17"/>
-    <p:sldId id="267" r:id="rId18"/>
-    <p:sldId id="268" r:id="rId19"/>
-    <p:sldId id="269" r:id="rId20"/>
-    <p:sldId id="270" r:id="rId21"/>
-    <p:sldId id="271" r:id="rId22"/>
-    <p:sldId id="272" r:id="rId23"/>
-    <p:sldId id="273" r:id="rId24"/>
+    <p:sldId id="275" r:id="rId15"/>
+    <p:sldId id="264" r:id="rId16"/>
+    <p:sldId id="265" r:id="rId17"/>
+    <p:sldId id="266" r:id="rId18"/>
+    <p:sldId id="267" r:id="rId19"/>
+    <p:sldId id="268" r:id="rId20"/>
+    <p:sldId id="269" r:id="rId21"/>
+    <p:sldId id="270" r:id="rId22"/>
+    <p:sldId id="271" r:id="rId23"/>
+    <p:sldId id="272" r:id="rId24"/>
+    <p:sldId id="273" r:id="rId25"/>
   </p:sldIdLst>
   <p:sldSz cx="9144000" cy="5143500" type="screen16x9"/>
   <p:notesSz cx="7559675" cy="10691813"/>
@@ -127,6 +131,445 @@
     </a:lvl9pPr>
   </p:defaultTextStyle>
 </p:presentation>
+</file>
+
+<file path=ppt/notesMasters/notesMaster1.xml><?xml version="1.0" encoding="utf-8"?>
+<p:notesMaster xmlns:a="http://schemas.openxmlformats.org/drawingml/2006/main" xmlns:r="http://schemas.openxmlformats.org/officeDocument/2006/relationships" xmlns:p="http://schemas.openxmlformats.org/presentationml/2006/main">
+  <p:cSld>
+    <p:bg>
+      <p:bgRef idx="1001">
+        <a:schemeClr val="bg1"/>
+      </p:bgRef>
+    </p:bg>
+    <p:spTree>
+      <p:nvGrpSpPr>
+        <p:cNvPr id="1" name=""/>
+        <p:cNvGrpSpPr/>
+        <p:nvPr/>
+      </p:nvGrpSpPr>
+      <p:grpSpPr>
+        <a:xfrm>
+          <a:off x="0" y="0"/>
+          <a:ext cx="0" cy="0"/>
+          <a:chOff x="0" y="0"/>
+          <a:chExt cx="0" cy="0"/>
+        </a:xfrm>
+      </p:grpSpPr>
+      <p:sp>
+        <p:nvSpPr>
+          <p:cNvPr id="2" name="Espace réservé de l'en-tête 1"/>
+          <p:cNvSpPr>
+            <a:spLocks noGrp="1"/>
+          </p:cNvSpPr>
+          <p:nvPr>
+            <p:ph type="hdr" sz="quarter"/>
+          </p:nvPr>
+        </p:nvSpPr>
+        <p:spPr>
+          <a:xfrm>
+            <a:off x="0" y="0"/>
+            <a:ext cx="3276600" cy="534988"/>
+          </a:xfrm>
+          <a:prstGeom prst="rect">
+            <a:avLst/>
+          </a:prstGeom>
+        </p:spPr>
+        <p:txBody>
+          <a:bodyPr vert="horz" lIns="91440" tIns="45720" rIns="91440" bIns="45720" rtlCol="0"/>
+          <a:lstStyle>
+            <a:lvl1pPr algn="l">
+              <a:defRPr sz="1200"/>
+            </a:lvl1pPr>
+          </a:lstStyle>
+          <a:p>
+            <a:endParaRPr lang="fr-FR"/>
+          </a:p>
+        </p:txBody>
+      </p:sp>
+      <p:sp>
+        <p:nvSpPr>
+          <p:cNvPr id="3" name="Espace réservé de la date 2"/>
+          <p:cNvSpPr>
+            <a:spLocks noGrp="1"/>
+          </p:cNvSpPr>
+          <p:nvPr>
+            <p:ph type="dt" idx="1"/>
+          </p:nvPr>
+        </p:nvSpPr>
+        <p:spPr>
+          <a:xfrm>
+            <a:off x="4281488" y="0"/>
+            <a:ext cx="3276600" cy="534988"/>
+          </a:xfrm>
+          <a:prstGeom prst="rect">
+            <a:avLst/>
+          </a:prstGeom>
+        </p:spPr>
+        <p:txBody>
+          <a:bodyPr vert="horz" lIns="91440" tIns="45720" rIns="91440" bIns="45720" rtlCol="0"/>
+          <a:lstStyle>
+            <a:lvl1pPr algn="r">
+              <a:defRPr sz="1200"/>
+            </a:lvl1pPr>
+          </a:lstStyle>
+          <a:p>
+            <a:fld id="{8314953E-9931-4457-9775-A254599ECB05}" type="datetimeFigureOut">
+              <a:rPr lang="fr-FR" smtClean="0"/>
+              <a:pPr/>
+              <a:t>04/04/2023</a:t>
+            </a:fld>
+            <a:endParaRPr lang="fr-FR"/>
+          </a:p>
+        </p:txBody>
+      </p:sp>
+      <p:sp>
+        <p:nvSpPr>
+          <p:cNvPr id="4" name="Espace réservé de l'image des diapositives 3"/>
+          <p:cNvSpPr>
+            <a:spLocks noGrp="1" noRot="1" noChangeAspect="1"/>
+          </p:cNvSpPr>
+          <p:nvPr>
+            <p:ph type="sldImg" idx="2"/>
+          </p:nvPr>
+        </p:nvSpPr>
+        <p:spPr>
+          <a:xfrm>
+            <a:off x="215900" y="801688"/>
+            <a:ext cx="7127875" cy="4010025"/>
+          </a:xfrm>
+          <a:prstGeom prst="rect">
+            <a:avLst/>
+          </a:prstGeom>
+          <a:noFill/>
+          <a:ln w="12700">
+            <a:solidFill>
+              <a:prstClr val="black"/>
+            </a:solidFill>
+          </a:ln>
+        </p:spPr>
+        <p:txBody>
+          <a:bodyPr vert="horz" lIns="91440" tIns="45720" rIns="91440" bIns="45720" rtlCol="0" anchor="ctr"/>
+          <a:lstStyle/>
+          <a:p>
+            <a:endParaRPr lang="fr-FR"/>
+          </a:p>
+        </p:txBody>
+      </p:sp>
+      <p:sp>
+        <p:nvSpPr>
+          <p:cNvPr id="5" name="Espace réservé des commentaires 4"/>
+          <p:cNvSpPr>
+            <a:spLocks noGrp="1"/>
+          </p:cNvSpPr>
+          <p:nvPr>
+            <p:ph type="body" sz="quarter" idx="3"/>
+          </p:nvPr>
+        </p:nvSpPr>
+        <p:spPr>
+          <a:xfrm>
+            <a:off x="755650" y="5078413"/>
+            <a:ext cx="6048375" cy="4811712"/>
+          </a:xfrm>
+          <a:prstGeom prst="rect">
+            <a:avLst/>
+          </a:prstGeom>
+        </p:spPr>
+        <p:txBody>
+          <a:bodyPr vert="horz" lIns="91440" tIns="45720" rIns="91440" bIns="45720" rtlCol="0">
+            <a:normAutofit/>
+          </a:bodyPr>
+          <a:lstStyle/>
+          <a:p>
+            <a:pPr lvl="0"/>
+            <a:r>
+              <a:rPr lang="fr-FR" smtClean="0"/>
+              <a:t>Cliquez pour modifier les styles du texte du masque</a:t>
+            </a:r>
+          </a:p>
+          <a:p>
+            <a:pPr lvl="1"/>
+            <a:r>
+              <a:rPr lang="fr-FR" smtClean="0"/>
+              <a:t>Deuxième niveau</a:t>
+            </a:r>
+          </a:p>
+          <a:p>
+            <a:pPr lvl="2"/>
+            <a:r>
+              <a:rPr lang="fr-FR" smtClean="0"/>
+              <a:t>Troisième niveau</a:t>
+            </a:r>
+          </a:p>
+          <a:p>
+            <a:pPr lvl="3"/>
+            <a:r>
+              <a:rPr lang="fr-FR" smtClean="0"/>
+              <a:t>Quatrième niveau</a:t>
+            </a:r>
+          </a:p>
+          <a:p>
+            <a:pPr lvl="4"/>
+            <a:r>
+              <a:rPr lang="fr-FR" smtClean="0"/>
+              <a:t>Cinquième niveau</a:t>
+            </a:r>
+            <a:endParaRPr lang="fr-FR"/>
+          </a:p>
+        </p:txBody>
+      </p:sp>
+      <p:sp>
+        <p:nvSpPr>
+          <p:cNvPr id="6" name="Espace réservé du pied de page 5"/>
+          <p:cNvSpPr>
+            <a:spLocks noGrp="1"/>
+          </p:cNvSpPr>
+          <p:nvPr>
+            <p:ph type="ftr" sz="quarter" idx="4"/>
+          </p:nvPr>
+        </p:nvSpPr>
+        <p:spPr>
+          <a:xfrm>
+            <a:off x="0" y="10155238"/>
+            <a:ext cx="3276600" cy="534987"/>
+          </a:xfrm>
+          <a:prstGeom prst="rect">
+            <a:avLst/>
+          </a:prstGeom>
+        </p:spPr>
+        <p:txBody>
+          <a:bodyPr vert="horz" lIns="91440" tIns="45720" rIns="91440" bIns="45720" rtlCol="0" anchor="b"/>
+          <a:lstStyle>
+            <a:lvl1pPr algn="l">
+              <a:defRPr sz="1200"/>
+            </a:lvl1pPr>
+          </a:lstStyle>
+          <a:p>
+            <a:endParaRPr lang="fr-FR"/>
+          </a:p>
+        </p:txBody>
+      </p:sp>
+      <p:sp>
+        <p:nvSpPr>
+          <p:cNvPr id="7" name="Espace réservé du numéro de diapositive 6"/>
+          <p:cNvSpPr>
+            <a:spLocks noGrp="1"/>
+          </p:cNvSpPr>
+          <p:nvPr>
+            <p:ph type="sldNum" sz="quarter" idx="5"/>
+          </p:nvPr>
+        </p:nvSpPr>
+        <p:spPr>
+          <a:xfrm>
+            <a:off x="4281488" y="10155238"/>
+            <a:ext cx="3276600" cy="534987"/>
+          </a:xfrm>
+          <a:prstGeom prst="rect">
+            <a:avLst/>
+          </a:prstGeom>
+        </p:spPr>
+        <p:txBody>
+          <a:bodyPr vert="horz" lIns="91440" tIns="45720" rIns="91440" bIns="45720" rtlCol="0" anchor="b"/>
+          <a:lstStyle>
+            <a:lvl1pPr algn="r">
+              <a:defRPr sz="1200"/>
+            </a:lvl1pPr>
+          </a:lstStyle>
+          <a:p>
+            <a:fld id="{F4E4DFB2-9EA0-4601-B349-89E84723AC32}" type="slidenum">
+              <a:rPr lang="fr-FR" smtClean="0"/>
+              <a:pPr/>
+              <a:t>‹N°›</a:t>
+            </a:fld>
+            <a:endParaRPr lang="fr-FR"/>
+          </a:p>
+        </p:txBody>
+      </p:sp>
+    </p:spTree>
+  </p:cSld>
+  <p:clrMap bg1="lt1" tx1="dk1" bg2="lt2" tx2="dk2" accent1="accent1" accent2="accent2" accent3="accent3" accent4="accent4" accent5="accent5" accent6="accent6" hlink="hlink" folHlink="folHlink"/>
+  <p:notesStyle>
+    <a:lvl1pPr marL="0" algn="l" defTabSz="914400" rtl="0" eaLnBrk="1" latinLnBrk="0" hangingPunct="1">
+      <a:defRPr sz="1200" kern="1200">
+        <a:solidFill>
+          <a:schemeClr val="tx1"/>
+        </a:solidFill>
+        <a:latin typeface="+mn-lt"/>
+        <a:ea typeface="+mn-ea"/>
+        <a:cs typeface="+mn-cs"/>
+      </a:defRPr>
+    </a:lvl1pPr>
+    <a:lvl2pPr marL="457200" algn="l" defTabSz="914400" rtl="0" eaLnBrk="1" latinLnBrk="0" hangingPunct="1">
+      <a:defRPr sz="1200" kern="1200">
+        <a:solidFill>
+          <a:schemeClr val="tx1"/>
+        </a:solidFill>
+        <a:latin typeface="+mn-lt"/>
+        <a:ea typeface="+mn-ea"/>
+        <a:cs typeface="+mn-cs"/>
+      </a:defRPr>
+    </a:lvl2pPr>
+    <a:lvl3pPr marL="914400" algn="l" defTabSz="914400" rtl="0" eaLnBrk="1" latinLnBrk="0" hangingPunct="1">
+      <a:defRPr sz="1200" kern="1200">
+        <a:solidFill>
+          <a:schemeClr val="tx1"/>
+        </a:solidFill>
+        <a:latin typeface="+mn-lt"/>
+        <a:ea typeface="+mn-ea"/>
+        <a:cs typeface="+mn-cs"/>
+      </a:defRPr>
+    </a:lvl3pPr>
+    <a:lvl4pPr marL="1371600" algn="l" defTabSz="914400" rtl="0" eaLnBrk="1" latinLnBrk="0" hangingPunct="1">
+      <a:defRPr sz="1200" kern="1200">
+        <a:solidFill>
+          <a:schemeClr val="tx1"/>
+        </a:solidFill>
+        <a:latin typeface="+mn-lt"/>
+        <a:ea typeface="+mn-ea"/>
+        <a:cs typeface="+mn-cs"/>
+      </a:defRPr>
+    </a:lvl4pPr>
+    <a:lvl5pPr marL="1828800" algn="l" defTabSz="914400" rtl="0" eaLnBrk="1" latinLnBrk="0" hangingPunct="1">
+      <a:defRPr sz="1200" kern="1200">
+        <a:solidFill>
+          <a:schemeClr val="tx1"/>
+        </a:solidFill>
+        <a:latin typeface="+mn-lt"/>
+        <a:ea typeface="+mn-ea"/>
+        <a:cs typeface="+mn-cs"/>
+      </a:defRPr>
+    </a:lvl5pPr>
+    <a:lvl6pPr marL="2286000" algn="l" defTabSz="914400" rtl="0" eaLnBrk="1" latinLnBrk="0" hangingPunct="1">
+      <a:defRPr sz="1200" kern="1200">
+        <a:solidFill>
+          <a:schemeClr val="tx1"/>
+        </a:solidFill>
+        <a:latin typeface="+mn-lt"/>
+        <a:ea typeface="+mn-ea"/>
+        <a:cs typeface="+mn-cs"/>
+      </a:defRPr>
+    </a:lvl6pPr>
+    <a:lvl7pPr marL="2743200" algn="l" defTabSz="914400" rtl="0" eaLnBrk="1" latinLnBrk="0" hangingPunct="1">
+      <a:defRPr sz="1200" kern="1200">
+        <a:solidFill>
+          <a:schemeClr val="tx1"/>
+        </a:solidFill>
+        <a:latin typeface="+mn-lt"/>
+        <a:ea typeface="+mn-ea"/>
+        <a:cs typeface="+mn-cs"/>
+      </a:defRPr>
+    </a:lvl7pPr>
+    <a:lvl8pPr marL="3200400" algn="l" defTabSz="914400" rtl="0" eaLnBrk="1" latinLnBrk="0" hangingPunct="1">
+      <a:defRPr sz="1200" kern="1200">
+        <a:solidFill>
+          <a:schemeClr val="tx1"/>
+        </a:solidFill>
+        <a:latin typeface="+mn-lt"/>
+        <a:ea typeface="+mn-ea"/>
+        <a:cs typeface="+mn-cs"/>
+      </a:defRPr>
+    </a:lvl8pPr>
+    <a:lvl9pPr marL="3657600" algn="l" defTabSz="914400" rtl="0" eaLnBrk="1" latinLnBrk="0" hangingPunct="1">
+      <a:defRPr sz="1200" kern="1200">
+        <a:solidFill>
+          <a:schemeClr val="tx1"/>
+        </a:solidFill>
+        <a:latin typeface="+mn-lt"/>
+        <a:ea typeface="+mn-ea"/>
+        <a:cs typeface="+mn-cs"/>
+      </a:defRPr>
+    </a:lvl9pPr>
+  </p:notesStyle>
+</p:notesMaster>
+</file>
+
+<file path=ppt/notesSlides/notesSlide1.xml><?xml version="1.0" encoding="utf-8"?>
+<p:notes xmlns:a="http://schemas.openxmlformats.org/drawingml/2006/main" xmlns:r="http://schemas.openxmlformats.org/officeDocument/2006/relationships" xmlns:p="http://schemas.openxmlformats.org/presentationml/2006/main">
+  <p:cSld>
+    <p:spTree>
+      <p:nvGrpSpPr>
+        <p:cNvPr id="1" name=""/>
+        <p:cNvGrpSpPr/>
+        <p:nvPr/>
+      </p:nvGrpSpPr>
+      <p:grpSpPr>
+        <a:xfrm>
+          <a:off x="0" y="0"/>
+          <a:ext cx="0" cy="0"/>
+          <a:chOff x="0" y="0"/>
+          <a:chExt cx="0" cy="0"/>
+        </a:xfrm>
+      </p:grpSpPr>
+      <p:sp>
+        <p:nvSpPr>
+          <p:cNvPr id="2" name="Espace réservé de l'image des diapositives 1"/>
+          <p:cNvSpPr>
+            <a:spLocks noGrp="1" noRot="1" noChangeAspect="1"/>
+          </p:cNvSpPr>
+          <p:nvPr>
+            <p:ph type="sldImg"/>
+          </p:nvPr>
+        </p:nvSpPr>
+        <p:spPr/>
+      </p:sp>
+      <p:sp>
+        <p:nvSpPr>
+          <p:cNvPr id="3" name="Espace réservé des commentaires 2"/>
+          <p:cNvSpPr>
+            <a:spLocks noGrp="1"/>
+          </p:cNvSpPr>
+          <p:nvPr>
+            <p:ph type="body" idx="1"/>
+          </p:nvPr>
+        </p:nvSpPr>
+        <p:spPr/>
+        <p:txBody>
+          <a:bodyPr>
+            <a:normAutofit/>
+          </a:bodyPr>
+          <a:lstStyle/>
+          <a:p>
+            <a:r>
+              <a:rPr lang="fr-FR" dirty="0" smtClean="0"/>
+              <a:t>Des Courbes à commenter Il faut faire un rééquilibrage des données </a:t>
+            </a:r>
+            <a:r>
+              <a:rPr lang="fr-FR" smtClean="0"/>
+              <a:t>: important </a:t>
+            </a:r>
+            <a:endParaRPr lang="fr-FR"/>
+          </a:p>
+        </p:txBody>
+      </p:sp>
+      <p:sp>
+        <p:nvSpPr>
+          <p:cNvPr id="4" name="Espace réservé du numéro de diapositive 3"/>
+          <p:cNvSpPr>
+            <a:spLocks noGrp="1"/>
+          </p:cNvSpPr>
+          <p:nvPr>
+            <p:ph type="sldNum" sz="quarter" idx="10"/>
+          </p:nvPr>
+        </p:nvSpPr>
+        <p:spPr/>
+        <p:txBody>
+          <a:bodyPr/>
+          <a:lstStyle/>
+          <a:p>
+            <a:fld id="{F4E4DFB2-9EA0-4601-B349-89E84723AC32}" type="slidenum">
+              <a:rPr lang="fr-FR" smtClean="0"/>
+              <a:pPr/>
+              <a:t>15</a:t>
+            </a:fld>
+            <a:endParaRPr lang="fr-FR"/>
+          </a:p>
+        </p:txBody>
+      </p:sp>
+    </p:spTree>
+  </p:cSld>
+  <p:clrMapOvr>
+    <a:masterClrMapping/>
+  </p:clrMapOvr>
+</p:notes>
 </file>
 
 <file path=ppt/slideLayouts/slideLayout1.xml><?xml version="1.0" encoding="utf-8"?>
@@ -31782,6 +32225,127 @@
           <a:chExt cx="0" cy="0"/>
         </a:xfrm>
       </p:grpSpPr>
+      <p:sp>
+        <p:nvSpPr>
+          <p:cNvPr id="2" name="Rectangle 1"/>
+          <p:cNvSpPr/>
+          <p:nvPr/>
+        </p:nvSpPr>
+        <p:spPr>
+          <a:xfrm>
+            <a:off x="0" y="0"/>
+            <a:ext cx="9144000" cy="5143500"/>
+          </a:xfrm>
+          <a:prstGeom prst="rect">
+            <a:avLst/>
+          </a:prstGeom>
+        </p:spPr>
+        <p:txBody>
+          <a:bodyPr wrap="square">
+            <a:spAutoFit/>
+          </a:bodyPr>
+          <a:lstStyle/>
+          <a:p>
+            <a:r>
+              <a:rPr lang="fr-FR" dirty="0" smtClean="0"/>
+              <a:t>Les données comprennent :</a:t>
+            </a:r>
+          </a:p>
+          <a:p>
+            <a:endParaRPr lang="fr-FR" dirty="0" smtClean="0"/>
+          </a:p>
+          <a:p>
+            <a:r>
+              <a:rPr lang="fr-FR" dirty="0" smtClean="0"/>
+              <a:t> 	° 122 </a:t>
+            </a:r>
+            <a:r>
+              <a:rPr lang="fr-FR" dirty="0" err="1" smtClean="0"/>
+              <a:t>features</a:t>
+            </a:r>
+            <a:r>
+              <a:rPr lang="fr-FR" dirty="0" smtClean="0"/>
+              <a:t> relatives aux informations sur le prêt    </a:t>
+            </a:r>
+          </a:p>
+          <a:p>
+            <a:endParaRPr lang="fr-FR" dirty="0" smtClean="0"/>
+          </a:p>
+          <a:p>
+            <a:r>
+              <a:rPr lang="fr-FR" dirty="0" smtClean="0"/>
+              <a:t>	° Les détails du client (caractéristiques catégorielles sur le statut social et 	   financier, ainsi que le jour et l'heure auxquels le client a été approché)</a:t>
+            </a:r>
+          </a:p>
+          <a:p>
+            <a:r>
+              <a:rPr lang="fr-FR" dirty="0" smtClean="0"/>
+              <a:t>  </a:t>
+            </a:r>
+          </a:p>
+          <a:p>
+            <a:r>
+              <a:rPr lang="fr-FR" dirty="0" smtClean="0"/>
+              <a:t>	° Les informations sur les demandes des clients effectuées auprès de la 	   source de données financières</a:t>
+            </a:r>
+          </a:p>
+          <a:p>
+            <a:endParaRPr lang="fr-FR" dirty="0" smtClean="0"/>
+          </a:p>
+          <a:p>
+            <a:r>
+              <a:rPr lang="fr-FR" dirty="0" smtClean="0"/>
+              <a:t>	° Un indicateur pour 20 documents soumis par le client </a:t>
+            </a:r>
+          </a:p>
+          <a:p>
+            <a:endParaRPr lang="fr-FR" dirty="0" smtClean="0"/>
+          </a:p>
+          <a:p>
+            <a:r>
+              <a:rPr lang="fr-FR" dirty="0" smtClean="0"/>
+              <a:t>	°Les données de 3 entreprises externes de diligence raisonnable en matière 	  de crédit évaluant le risque client</a:t>
+            </a:r>
+          </a:p>
+          <a:p>
+            <a:r>
+              <a:rPr lang="fr-FR" dirty="0" smtClean="0"/>
+              <a:t>	°Les données provenant d'une base de données externe fournissant des 	  informations normalisées sur l'immeuble où vit le client</a:t>
+            </a:r>
+          </a:p>
+          <a:p>
+            <a:r>
+              <a:rPr lang="fr-FR" dirty="0" smtClean="0"/>
+              <a:t>	°Le cercle social du client - c'est-à-dire le nombre de relations sociales du 	  client ayant contracté un prêt auprès de l'entreprise.</a:t>
+            </a:r>
+          </a:p>
+        </p:txBody>
+      </p:sp>
+    </p:spTree>
+  </p:cSld>
+  <p:clrMapOvr>
+    <a:masterClrMapping/>
+  </p:clrMapOvr>
+</p:sld>
+</file>
+
+<file path=ppt/slides/slide11.xml><?xml version="1.0" encoding="utf-8"?>
+<p:sld xmlns:a="http://schemas.openxmlformats.org/drawingml/2006/main" xmlns:r="http://schemas.openxmlformats.org/officeDocument/2006/relationships" xmlns:p="http://schemas.openxmlformats.org/presentationml/2006/main">
+  <p:cSld>
+    <p:spTree>
+      <p:nvGrpSpPr>
+        <p:cNvPr id="1" name=""/>
+        <p:cNvGrpSpPr/>
+        <p:nvPr/>
+      </p:nvGrpSpPr>
+      <p:grpSpPr>
+        <a:xfrm>
+          <a:off x="0" y="0"/>
+          <a:ext cx="0" cy="0"/>
+          <a:chOff x="0" y="0"/>
+          <a:chExt cx="0" cy="0"/>
+        </a:xfrm>
+      </p:grpSpPr>
       <p:pic>
         <p:nvPicPr>
           <p:cNvPr id="478" name="Image 477"/>
@@ -32084,7 +32648,7 @@
 </p:sld>
 </file>
 
-<file path=ppt/slides/slide11.xml><?xml version="1.0" encoding="utf-8"?>
+<file path=ppt/slides/slide12.xml><?xml version="1.0" encoding="utf-8"?>
 <p:sld xmlns:a="http://schemas.openxmlformats.org/drawingml/2006/main" xmlns:r="http://schemas.openxmlformats.org/officeDocument/2006/relationships" xmlns:p="http://schemas.openxmlformats.org/presentationml/2006/main">
   <p:cSld>
     <p:spTree>
@@ -32199,7 +32763,7 @@
 </p:sld>
 </file>
 
-<file path=ppt/slides/slide12.xml><?xml version="1.0" encoding="utf-8"?>
+<file path=ppt/slides/slide13.xml><?xml version="1.0" encoding="utf-8"?>
 <p:sld xmlns:a="http://schemas.openxmlformats.org/drawingml/2006/main" xmlns:r="http://schemas.openxmlformats.org/officeDocument/2006/relationships" xmlns:p="http://schemas.openxmlformats.org/presentationml/2006/main">
   <p:cSld>
     <p:spTree>
@@ -32309,7 +32873,7 @@
 </p:sld>
 </file>
 
-<file path=ppt/slides/slide13.xml><?xml version="1.0" encoding="utf-8"?>
+<file path=ppt/slides/slide14.xml><?xml version="1.0" encoding="utf-8"?>
 <p:sld xmlns:a="http://schemas.openxmlformats.org/drawingml/2006/main" xmlns:r="http://schemas.openxmlformats.org/officeDocument/2006/relationships" xmlns:p="http://schemas.openxmlformats.org/presentationml/2006/main">
   <p:cSld>
     <p:spTree>
@@ -32478,7 +33042,23 @@
               <a:rPr lang="fr-FR" sz="1600" dirty="0" smtClean="0"/>
               <a:t>La régression logistique a été utilisée dans les sciences biologiques au début du XXe siècle. </a:t>
             </a:r>
+          </a:p>
+          <a:p>
             <a:endParaRPr lang="fr-FR" sz="1600" dirty="0" smtClean="0"/>
+          </a:p>
+          <a:p>
+            <a:r>
+              <a:rPr lang="fr-FR" sz="1600" smtClean="0"/>
+              <a:t>Elle </a:t>
+            </a:r>
+            <a:r>
+              <a:rPr lang="fr-FR" sz="1600" smtClean="0"/>
+              <a:t>a ensuite </a:t>
+            </a:r>
+            <a:r>
+              <a:rPr lang="fr-FR" sz="1600" dirty="0" smtClean="0"/>
+              <a:t>été utilisée dans de nombreuses applications en sciences sociales. </a:t>
+            </a:r>
           </a:p>
           <a:p>
             <a:endParaRPr lang="fr-FR" sz="1600" dirty="0" smtClean="0"/>
@@ -32486,25 +33066,7 @@
           <a:p>
             <a:r>
               <a:rPr lang="fr-FR" sz="1600" dirty="0" smtClean="0"/>
-              <a:t>Elle </a:t>
-            </a:r>
-            <a:r>
-              <a:rPr lang="fr-FR" sz="1600" dirty="0" smtClean="0"/>
-              <a:t>a ensuite été utilisée dans de nombreuses applications en sciences sociales. </a:t>
-            </a:r>
-            <a:endParaRPr lang="fr-FR" sz="1600" dirty="0" smtClean="0"/>
-          </a:p>
-          <a:p>
-            <a:endParaRPr lang="fr-FR" sz="1600" dirty="0" smtClean="0"/>
-          </a:p>
-          <a:p>
-            <a:r>
-              <a:rPr lang="fr-FR" sz="1600" dirty="0" smtClean="0"/>
-              <a:t>La </a:t>
-            </a:r>
-            <a:r>
-              <a:rPr lang="fr-FR" sz="1600" dirty="0" smtClean="0"/>
-              <a:t>régression logistique est utilisée lorsque la variable dépendante (cible) est catégorielle.</a:t>
+              <a:t>La régression logistique est utilisée lorsque la variable dépendante (cible) est catégorielle.</a:t>
             </a:r>
             <a:endParaRPr lang="en-US" sz="1500" b="0" strike="noStrike" spc="-1" dirty="0">
               <a:latin typeface="Arial"/>
@@ -32552,7 +33114,7 @@
 </p:sld>
 </file>
 
-<file path=ppt/slides/slide14.xml><?xml version="1.0" encoding="utf-8"?>
+<file path=ppt/slides/slide15.xml><?xml version="1.0" encoding="utf-8"?>
 <p:sld xmlns:a="http://schemas.openxmlformats.org/drawingml/2006/main" xmlns:r="http://schemas.openxmlformats.org/officeDocument/2006/relationships" xmlns:p="http://schemas.openxmlformats.org/presentationml/2006/main">
   <p:cSld>
     <p:spTree>
@@ -32576,7 +33138,7 @@
           <p:nvPr/>
         </p:nvPicPr>
         <p:blipFill>
-          <a:blip r:embed="rId2" cstate="print"/>
+          <a:blip r:embed="rId3" cstate="print"/>
           <a:stretch/>
         </p:blipFill>
         <p:spPr>
@@ -32599,7 +33161,7 @@
           <p:nvPr/>
         </p:nvPicPr>
         <p:blipFill>
-          <a:blip r:embed="rId3" cstate="print"/>
+          <a:blip r:embed="rId4" cstate="print"/>
           <a:stretch/>
         </p:blipFill>
         <p:spPr>
@@ -32622,7 +33184,7 @@
           <p:nvPr/>
         </p:nvPicPr>
         <p:blipFill>
-          <a:blip r:embed="rId4" cstate="print"/>
+          <a:blip r:embed="rId5" cstate="print"/>
           <a:stretch/>
         </p:blipFill>
         <p:spPr>
@@ -32645,7 +33207,7 @@
           <p:nvPr/>
         </p:nvPicPr>
         <p:blipFill>
-          <a:blip r:embed="rId5" cstate="print"/>
+          <a:blip r:embed="rId6" cstate="print"/>
           <a:stretch/>
         </p:blipFill>
         <p:spPr>
@@ -32728,7 +33290,7 @@
 </p:sld>
 </file>
 
-<file path=ppt/slides/slide15.xml><?xml version="1.0" encoding="utf-8"?>
+<file path=ppt/slides/slide16.xml><?xml version="1.0" encoding="utf-8"?>
 <p:sld xmlns:a="http://schemas.openxmlformats.org/drawingml/2006/main" xmlns:r="http://schemas.openxmlformats.org/officeDocument/2006/relationships" xmlns:p="http://schemas.openxmlformats.org/presentationml/2006/main">
   <p:cSld>
     <p:spTree>
@@ -33047,7 +33609,7 @@
 </p:sld>
 </file>
 
-<file path=ppt/slides/slide16.xml><?xml version="1.0" encoding="utf-8"?>
+<file path=ppt/slides/slide17.xml><?xml version="1.0" encoding="utf-8"?>
 <p:sld xmlns:a="http://schemas.openxmlformats.org/drawingml/2006/main" xmlns:r="http://schemas.openxmlformats.org/officeDocument/2006/relationships" xmlns:p="http://schemas.openxmlformats.org/presentationml/2006/main">
   <p:cSld>
     <p:spTree>
@@ -33135,14 +33697,197 @@
           <a:lstStyle/>
           <a:p>
             <a:r>
-              <a:rPr lang="en-US" sz="1200" b="0" strike="noStrike" spc="-1">
+              <a:rPr lang="en-US" sz="1200" b="0" strike="noStrike" spc="-1" dirty="0" err="1">
                 <a:latin typeface="Arial"/>
               </a:rPr>
-              <a:t>Cela montre le nombre d'entités dans un jeu de données. Dans la barre, nous pouvons sélectionner un certain nombre de fonctionnalités. Il commence par 2 fonctionnalités et se termine par 47 fonctionnalités.</a:t>
+              <a:t>Cela</a:t>
             </a:r>
+            <a:r>
+              <a:rPr lang="en-US" sz="1200" b="0" strike="noStrike" spc="-1" dirty="0">
+                <a:latin typeface="Arial"/>
+              </a:rPr>
+              <a:t> </a:t>
+            </a:r>
+            <a:r>
+              <a:rPr lang="en-US" sz="1200" b="0" strike="noStrike" spc="-1" dirty="0" err="1">
+                <a:latin typeface="Arial"/>
+              </a:rPr>
+              <a:t>montre</a:t>
+            </a:r>
+            <a:r>
+              <a:rPr lang="en-US" sz="1200" b="0" strike="noStrike" spc="-1" dirty="0">
+                <a:latin typeface="Arial"/>
+              </a:rPr>
+              <a:t> le </a:t>
+            </a:r>
+            <a:r>
+              <a:rPr lang="en-US" sz="1200" b="0" strike="noStrike" spc="-1" dirty="0" err="1">
+                <a:latin typeface="Arial"/>
+              </a:rPr>
+              <a:t>nombre</a:t>
+            </a:r>
+            <a:r>
+              <a:rPr lang="en-US" sz="1200" b="0" strike="noStrike" spc="-1" dirty="0">
+                <a:latin typeface="Arial"/>
+              </a:rPr>
+              <a:t> </a:t>
+            </a:r>
+            <a:r>
+              <a:rPr lang="en-US" sz="1200" b="0" strike="noStrike" spc="-1" dirty="0" err="1">
+                <a:latin typeface="Arial"/>
+              </a:rPr>
+              <a:t>d'entités</a:t>
+            </a:r>
+            <a:r>
+              <a:rPr lang="en-US" sz="1200" b="0" strike="noStrike" spc="-1" dirty="0">
+                <a:latin typeface="Arial"/>
+              </a:rPr>
+              <a:t> </a:t>
+            </a:r>
+            <a:r>
+              <a:rPr lang="en-US" sz="1200" b="0" strike="noStrike" spc="-1" dirty="0" err="1">
+                <a:latin typeface="Arial"/>
+              </a:rPr>
+              <a:t>dans</a:t>
+            </a:r>
+            <a:r>
+              <a:rPr lang="en-US" sz="1200" b="0" strike="noStrike" spc="-1" dirty="0">
+                <a:latin typeface="Arial"/>
+              </a:rPr>
+              <a:t> un </a:t>
+            </a:r>
+            <a:r>
+              <a:rPr lang="en-US" sz="1200" b="0" strike="noStrike" spc="-1" dirty="0" err="1">
+                <a:latin typeface="Arial"/>
+              </a:rPr>
+              <a:t>jeu</a:t>
+            </a:r>
+            <a:r>
+              <a:rPr lang="en-US" sz="1200" b="0" strike="noStrike" spc="-1" dirty="0">
+                <a:latin typeface="Arial"/>
+              </a:rPr>
+              <a:t> de </a:t>
+            </a:r>
+            <a:r>
+              <a:rPr lang="en-US" sz="1200" b="0" strike="noStrike" spc="-1" dirty="0" err="1">
+                <a:latin typeface="Arial"/>
+              </a:rPr>
+              <a:t>données</a:t>
+            </a:r>
+            <a:r>
+              <a:rPr lang="en-US" sz="1200" b="0" strike="noStrike" spc="-1" dirty="0">
+                <a:latin typeface="Arial"/>
+              </a:rPr>
+              <a:t>. </a:t>
+            </a:r>
+            <a:r>
+              <a:rPr lang="en-US" sz="1200" b="0" strike="noStrike" spc="-1" dirty="0" err="1">
+                <a:latin typeface="Arial"/>
+              </a:rPr>
+              <a:t>Dans</a:t>
+            </a:r>
+            <a:r>
+              <a:rPr lang="en-US" sz="1200" b="0" strike="noStrike" spc="-1" dirty="0">
+                <a:latin typeface="Arial"/>
+              </a:rPr>
+              <a:t> la </a:t>
+            </a:r>
+            <a:r>
+              <a:rPr lang="en-US" sz="1200" b="0" strike="noStrike" spc="-1" dirty="0" err="1">
+                <a:latin typeface="Arial"/>
+              </a:rPr>
+              <a:t>barre</a:t>
+            </a:r>
+            <a:r>
+              <a:rPr lang="en-US" sz="1200" b="0" strike="noStrike" spc="-1" dirty="0">
+                <a:latin typeface="Arial"/>
+              </a:rPr>
+              <a:t>, nous </a:t>
+            </a:r>
+            <a:r>
+              <a:rPr lang="en-US" sz="1200" b="0" strike="noStrike" spc="-1" dirty="0" err="1">
+                <a:latin typeface="Arial"/>
+              </a:rPr>
+              <a:t>pouvons</a:t>
+            </a:r>
+            <a:r>
+              <a:rPr lang="en-US" sz="1200" b="0" strike="noStrike" spc="-1" dirty="0">
+                <a:latin typeface="Arial"/>
+              </a:rPr>
+              <a:t> </a:t>
+            </a:r>
+            <a:r>
+              <a:rPr lang="en-US" sz="1200" b="0" strike="noStrike" spc="-1" dirty="0" err="1">
+                <a:latin typeface="Arial"/>
+              </a:rPr>
+              <a:t>sélectionner</a:t>
+            </a:r>
+            <a:r>
+              <a:rPr lang="en-US" sz="1200" b="0" strike="noStrike" spc="-1" dirty="0">
+                <a:latin typeface="Arial"/>
+              </a:rPr>
+              <a:t> un certain </a:t>
+            </a:r>
+            <a:r>
+              <a:rPr lang="en-US" sz="1200" b="0" strike="noStrike" spc="-1" dirty="0" err="1">
+                <a:latin typeface="Arial"/>
+              </a:rPr>
+              <a:t>nombre</a:t>
+            </a:r>
+            <a:r>
+              <a:rPr lang="en-US" sz="1200" b="0" strike="noStrike" spc="-1" dirty="0">
+                <a:latin typeface="Arial"/>
+              </a:rPr>
+              <a:t> de </a:t>
+            </a:r>
+            <a:r>
+              <a:rPr lang="en-US" sz="1200" b="0" strike="noStrike" spc="-1" dirty="0" smtClean="0">
+                <a:latin typeface="Arial"/>
+              </a:rPr>
+              <a:t>features. </a:t>
+            </a:r>
+            <a:r>
+              <a:rPr lang="en-US" sz="1200" b="0" strike="noStrike" spc="-1" dirty="0">
+                <a:latin typeface="Arial"/>
+              </a:rPr>
+              <a:t>Il commence par 2 </a:t>
+            </a:r>
+            <a:r>
+              <a:rPr lang="en-US" sz="1200" b="0" strike="noStrike" spc="-1" dirty="0" smtClean="0">
+                <a:latin typeface="Arial"/>
+              </a:rPr>
+              <a:t>features </a:t>
+            </a:r>
+            <a:r>
+              <a:rPr lang="en-US" sz="1200" b="0" strike="noStrike" spc="-1" dirty="0">
+                <a:latin typeface="Arial"/>
+              </a:rPr>
+              <a:t>et se </a:t>
+            </a:r>
+            <a:r>
+              <a:rPr lang="en-US" sz="1200" b="0" strike="noStrike" spc="-1" dirty="0" err="1">
+                <a:latin typeface="Arial"/>
+              </a:rPr>
+              <a:t>termine</a:t>
+            </a:r>
+            <a:r>
+              <a:rPr lang="en-US" sz="1200" b="0" strike="noStrike" spc="-1" dirty="0">
+                <a:latin typeface="Arial"/>
+              </a:rPr>
+              <a:t> par 47 </a:t>
+            </a:r>
+            <a:r>
+              <a:rPr lang="en-US" sz="1200" b="0" strike="noStrike" spc="-1" dirty="0" smtClean="0">
+                <a:latin typeface="Arial"/>
+              </a:rPr>
+              <a:t>features.</a:t>
+            </a:r>
+            <a:endParaRPr lang="en-US" sz="1200" b="0" strike="noStrike" spc="-1" dirty="0">
+              <a:latin typeface="Arial"/>
+            </a:endParaRPr>
           </a:p>
           <a:p>
-            <a:endParaRPr lang="en-US" sz="1200" b="0" strike="noStrike" spc="-1">
+            <a:endParaRPr lang="en-US" sz="1200" b="0" strike="noStrike" spc="-1" dirty="0">
               <a:latin typeface="Arial"/>
             </a:endParaRPr>
           </a:p>
@@ -33171,16 +33916,202 @@
           <a:bodyPr lIns="90000" tIns="45000" rIns="90000" bIns="45000"/>
           <a:lstStyle/>
           <a:p>
-            <a:endParaRPr lang="en-US" sz="1180" b="0" strike="noStrike" spc="-1">
+            <a:endParaRPr lang="en-US" sz="1180" b="0" strike="noStrike" spc="-1" dirty="0">
               <a:latin typeface="Arial"/>
             </a:endParaRPr>
           </a:p>
           <a:p>
             <a:r>
-              <a:rPr lang="en-US" sz="1300" b="0" strike="noStrike" spc="-1">
+              <a:rPr lang="en-US" sz="1300" b="0" strike="noStrike" spc="-1" dirty="0" err="1">
                 <a:latin typeface="Arial"/>
               </a:rPr>
-              <a:t>Cela montre le nombre d'entités dans un jeu de données. Dans la barre, nous pouvons sélectionner un certain nombre de fonctionnalités. Il commence par 2 fonctionnalités et se termine par 47 fonctionnalités.</a:t>
+              <a:t>Cela</a:t>
+            </a:r>
+            <a:r>
+              <a:rPr lang="en-US" sz="1300" b="0" strike="noStrike" spc="-1" dirty="0">
+                <a:latin typeface="Arial"/>
+              </a:rPr>
+              <a:t> </a:t>
+            </a:r>
+            <a:r>
+              <a:rPr lang="en-US" sz="1300" b="0" strike="noStrike" spc="-1" dirty="0" err="1">
+                <a:latin typeface="Arial"/>
+              </a:rPr>
+              <a:t>montre</a:t>
+            </a:r>
+            <a:r>
+              <a:rPr lang="en-US" sz="1300" b="0" strike="noStrike" spc="-1" dirty="0">
+                <a:latin typeface="Arial"/>
+              </a:rPr>
+              <a:t> le </a:t>
+            </a:r>
+            <a:r>
+              <a:rPr lang="en-US" sz="1300" b="0" strike="noStrike" spc="-1" dirty="0" err="1">
+                <a:latin typeface="Arial"/>
+              </a:rPr>
+              <a:t>nombre</a:t>
+            </a:r>
+            <a:r>
+              <a:rPr lang="en-US" sz="1300" b="0" strike="noStrike" spc="-1" dirty="0">
+                <a:latin typeface="Arial"/>
+              </a:rPr>
+              <a:t> </a:t>
+            </a:r>
+            <a:r>
+              <a:rPr lang="en-US" sz="1300" b="0" strike="noStrike" spc="-1" dirty="0" err="1">
+                <a:latin typeface="Arial"/>
+              </a:rPr>
+              <a:t>d'entités</a:t>
+            </a:r>
+            <a:r>
+              <a:rPr lang="en-US" sz="1300" b="0" strike="noStrike" spc="-1" dirty="0">
+                <a:latin typeface="Arial"/>
+              </a:rPr>
+              <a:t> </a:t>
+            </a:r>
+            <a:r>
+              <a:rPr lang="en-US" sz="1300" b="0" strike="noStrike" spc="-1" dirty="0" err="1">
+                <a:latin typeface="Arial"/>
+              </a:rPr>
+              <a:t>dans</a:t>
+            </a:r>
+            <a:r>
+              <a:rPr lang="en-US" sz="1300" b="0" strike="noStrike" spc="-1" dirty="0">
+                <a:latin typeface="Arial"/>
+              </a:rPr>
+              <a:t> un </a:t>
+            </a:r>
+            <a:r>
+              <a:rPr lang="en-US" sz="1300" b="0" strike="noStrike" spc="-1" dirty="0" err="1">
+                <a:latin typeface="Arial"/>
+              </a:rPr>
+              <a:t>jeu</a:t>
+            </a:r>
+            <a:r>
+              <a:rPr lang="en-US" sz="1300" b="0" strike="noStrike" spc="-1" dirty="0">
+                <a:latin typeface="Arial"/>
+              </a:rPr>
+              <a:t> de </a:t>
+            </a:r>
+            <a:r>
+              <a:rPr lang="en-US" sz="1300" b="0" strike="noStrike" spc="-1" dirty="0" err="1">
+                <a:latin typeface="Arial"/>
+              </a:rPr>
+              <a:t>données</a:t>
+            </a:r>
+            <a:r>
+              <a:rPr lang="en-US" sz="1300" b="0" strike="noStrike" spc="-1" dirty="0">
+                <a:latin typeface="Arial"/>
+              </a:rPr>
+              <a:t>. </a:t>
+            </a:r>
+            <a:r>
+              <a:rPr lang="en-US" sz="1300" b="0" strike="noStrike" spc="-1" dirty="0" err="1">
+                <a:latin typeface="Arial"/>
+              </a:rPr>
+              <a:t>Dans</a:t>
+            </a:r>
+            <a:r>
+              <a:rPr lang="en-US" sz="1300" b="0" strike="noStrike" spc="-1" dirty="0">
+                <a:latin typeface="Arial"/>
+              </a:rPr>
+              <a:t> la </a:t>
+            </a:r>
+            <a:r>
+              <a:rPr lang="en-US" sz="1300" b="0" strike="noStrike" spc="-1" dirty="0" err="1">
+                <a:latin typeface="Arial"/>
+              </a:rPr>
+              <a:t>barre</a:t>
+            </a:r>
+            <a:r>
+              <a:rPr lang="en-US" sz="1300" b="0" strike="noStrike" spc="-1" dirty="0">
+                <a:latin typeface="Arial"/>
+              </a:rPr>
+              <a:t>, nous </a:t>
+            </a:r>
+            <a:r>
+              <a:rPr lang="en-US" sz="1300" b="0" strike="noStrike" spc="-1" dirty="0" err="1">
+                <a:latin typeface="Arial"/>
+              </a:rPr>
+              <a:t>pouvons</a:t>
+            </a:r>
+            <a:r>
+              <a:rPr lang="en-US" sz="1300" b="0" strike="noStrike" spc="-1" dirty="0">
+                <a:latin typeface="Arial"/>
+              </a:rPr>
+              <a:t> </a:t>
+            </a:r>
+            <a:r>
+              <a:rPr lang="en-US" sz="1300" b="0" strike="noStrike" spc="-1" dirty="0" err="1">
+                <a:latin typeface="Arial"/>
+              </a:rPr>
+              <a:t>sélectionner</a:t>
+            </a:r>
+            <a:r>
+              <a:rPr lang="en-US" sz="1300" b="0" strike="noStrike" spc="-1" dirty="0">
+                <a:latin typeface="Arial"/>
+              </a:rPr>
+              <a:t> un certain </a:t>
+            </a:r>
+            <a:r>
+              <a:rPr lang="en-US" sz="1300" b="0" strike="noStrike" spc="-1" dirty="0" err="1">
+                <a:latin typeface="Arial"/>
+              </a:rPr>
+              <a:t>nombre</a:t>
+            </a:r>
+            <a:r>
+              <a:rPr lang="en-US" sz="1300" b="0" strike="noStrike" spc="-1" dirty="0">
+                <a:latin typeface="Arial"/>
+              </a:rPr>
+              <a:t> de </a:t>
+            </a:r>
+            <a:r>
+              <a:rPr lang="en-US" sz="1300" b="0" strike="noStrike" spc="-1" dirty="0" smtClean="0">
+                <a:latin typeface="Arial"/>
+              </a:rPr>
+              <a:t>features</a:t>
+            </a:r>
+            <a:r>
+              <a:rPr lang="en-US" sz="1300" b="0" strike="noStrike" spc="-1" dirty="0">
+                <a:latin typeface="Arial"/>
+              </a:rPr>
+              <a:t>. Il commence par 2 </a:t>
+            </a:r>
+            <a:r>
+              <a:rPr lang="en-US" sz="1300" b="0" strike="noStrike" spc="-1" dirty="0" smtClean="0">
+                <a:latin typeface="Arial"/>
+              </a:rPr>
+              <a:t>features </a:t>
+            </a:r>
+            <a:r>
+              <a:rPr lang="en-US" sz="1300" b="0" strike="noStrike" spc="-1" dirty="0">
+                <a:latin typeface="Arial"/>
+              </a:rPr>
+              <a:t>et se </a:t>
+            </a:r>
+            <a:r>
+              <a:rPr lang="en-US" sz="1300" b="0" strike="noStrike" spc="-1" dirty="0" err="1">
+                <a:latin typeface="Arial"/>
+              </a:rPr>
+              <a:t>termine</a:t>
+            </a:r>
+            <a:r>
+              <a:rPr lang="en-US" sz="1300" b="0" strike="noStrike" spc="-1" dirty="0">
+                <a:latin typeface="Arial"/>
+              </a:rPr>
+              <a:t> par 47 </a:t>
+            </a:r>
+            <a:r>
+              <a:rPr lang="en-US" sz="1300" b="0" strike="noStrike" spc="-1" dirty="0" smtClean="0">
+                <a:latin typeface="Arial"/>
+              </a:rPr>
+              <a:t>features</a:t>
+            </a:r>
+            <a:r>
+              <a:rPr lang="en-US" sz="1300" b="0" strike="noStrike" spc="-1" dirty="0">
+                <a:latin typeface="Arial"/>
+              </a:rPr>
+              <a:t>.</a:t>
             </a:r>
           </a:p>
         </p:txBody>
@@ -33220,7 +34151,7 @@
 </p:sld>
 </file>
 
-<file path=ppt/slides/slide17.xml><?xml version="1.0" encoding="utf-8"?>
+<file path=ppt/slides/slide18.xml><?xml version="1.0" encoding="utf-8"?>
 <p:sld xmlns:a="http://schemas.openxmlformats.org/drawingml/2006/main" xmlns:r="http://schemas.openxmlformats.org/officeDocument/2006/relationships" xmlns:p="http://schemas.openxmlformats.org/presentationml/2006/main">
   <p:cSld>
     <p:spTree>
@@ -33319,7 +34250,7 @@
 </p:sld>
 </file>
 
-<file path=ppt/slides/slide18.xml><?xml version="1.0" encoding="utf-8"?>
+<file path=ppt/slides/slide19.xml><?xml version="1.0" encoding="utf-8"?>
 <p:sld xmlns:a="http://schemas.openxmlformats.org/drawingml/2006/main" xmlns:r="http://schemas.openxmlformats.org/officeDocument/2006/relationships" xmlns:p="http://schemas.openxmlformats.org/presentationml/2006/main">
   <p:cSld>
     <p:spTree>
@@ -33431,7 +34362,261 @@
 </p:sld>
 </file>
 
-<file path=ppt/slides/slide19.xml><?xml version="1.0" encoding="utf-8"?>
+<file path=ppt/slides/slide2.xml><?xml version="1.0" encoding="utf-8"?>
+<p:sld xmlns:a="http://schemas.openxmlformats.org/drawingml/2006/main" xmlns:r="http://schemas.openxmlformats.org/officeDocument/2006/relationships" xmlns:p="http://schemas.openxmlformats.org/presentationml/2006/main">
+  <p:cSld>
+    <p:spTree>
+      <p:nvGrpSpPr>
+        <p:cNvPr id="1" name=""/>
+        <p:cNvGrpSpPr/>
+        <p:nvPr/>
+      </p:nvGrpSpPr>
+      <p:grpSpPr>
+        <a:xfrm>
+          <a:off x="0" y="0"/>
+          <a:ext cx="0" cy="0"/>
+          <a:chOff x="0" y="0"/>
+          <a:chExt cx="0" cy="0"/>
+        </a:xfrm>
+      </p:grpSpPr>
+      <p:sp>
+        <p:nvSpPr>
+          <p:cNvPr id="2" name="Rectangle 1"/>
+          <p:cNvSpPr/>
+          <p:nvPr/>
+        </p:nvSpPr>
+        <p:spPr>
+          <a:xfrm>
+            <a:off x="0" y="0"/>
+            <a:ext cx="9144000" cy="4985980"/>
+          </a:xfrm>
+          <a:prstGeom prst="rect">
+            <a:avLst/>
+          </a:prstGeom>
+        </p:spPr>
+        <p:txBody>
+          <a:bodyPr wrap="square">
+            <a:spAutoFit/>
+          </a:bodyPr>
+          <a:lstStyle/>
+          <a:p>
+            <a:r>
+              <a:rPr lang="fr-FR" i="1" dirty="0" smtClean="0">
+                <a:solidFill>
+                  <a:srgbClr val="C00000"/>
+                </a:solidFill>
+              </a:rPr>
+              <a:t>J'ai entamé et mené à terme mon travail sur le projet archivé : </a:t>
+            </a:r>
+          </a:p>
+          <a:p>
+            <a:endParaRPr lang="fr-FR" i="1" dirty="0" smtClean="0">
+              <a:solidFill>
+                <a:srgbClr val="C00000"/>
+              </a:solidFill>
+            </a:endParaRPr>
+          </a:p>
+          <a:p>
+            <a:r>
+              <a:rPr lang="fr-FR" i="1" dirty="0" smtClean="0">
+                <a:solidFill>
+                  <a:srgbClr val="C00000"/>
+                </a:solidFill>
+              </a:rPr>
+              <a:t>j'ai débuté et achevé le Projet 7 avant le 14/12/2022. </a:t>
+            </a:r>
+          </a:p>
+          <a:p>
+            <a:endParaRPr lang="fr-FR" i="1" dirty="0" smtClean="0">
+              <a:solidFill>
+                <a:srgbClr val="C00000"/>
+              </a:solidFill>
+            </a:endParaRPr>
+          </a:p>
+          <a:p>
+            <a:r>
+              <a:rPr lang="fr-FR" b="1" dirty="0" smtClean="0"/>
+              <a:t>Projet 7 du parcours Data </a:t>
+            </a:r>
+            <a:r>
+              <a:rPr lang="fr-FR" b="1" dirty="0" err="1" smtClean="0"/>
+              <a:t>Scientist</a:t>
+            </a:r>
+            <a:r>
+              <a:rPr lang="fr-FR" b="1" dirty="0" smtClean="0"/>
+              <a:t> </a:t>
+            </a:r>
+          </a:p>
+          <a:p>
+            <a:endParaRPr lang="fr-FR" b="1" dirty="0" smtClean="0"/>
+          </a:p>
+          <a:p>
+            <a:r>
+              <a:rPr lang="fr-FR" sz="1600" b="1" dirty="0" smtClean="0">
+                <a:solidFill>
+                  <a:srgbClr val="00B0F0"/>
+                </a:solidFill>
+              </a:rPr>
+              <a:t>Projet : implémentez un modèle de </a:t>
+            </a:r>
+            <a:r>
+              <a:rPr lang="fr-FR" sz="1600" b="1" dirty="0" err="1" smtClean="0">
+                <a:solidFill>
+                  <a:srgbClr val="00B0F0"/>
+                </a:solidFill>
+              </a:rPr>
+              <a:t>scoring</a:t>
+            </a:r>
+            <a:r>
+              <a:rPr lang="fr-FR" sz="1600" b="1" dirty="0" smtClean="0">
+                <a:solidFill>
+                  <a:srgbClr val="00B0F0"/>
+                </a:solidFill>
+              </a:rPr>
+              <a:t> </a:t>
+            </a:r>
+          </a:p>
+          <a:p>
+            <a:endParaRPr lang="fr-FR" sz="1600" b="1" dirty="0" smtClean="0">
+              <a:solidFill>
+                <a:srgbClr val="00B0F0"/>
+              </a:solidFill>
+            </a:endParaRPr>
+          </a:p>
+          <a:p>
+            <a:r>
+              <a:rPr lang="fr-FR" sz="1600" dirty="0" smtClean="0">
+                <a:solidFill>
+                  <a:srgbClr val="00B0F0"/>
+                </a:solidFill>
+              </a:rPr>
+              <a:t>Au sein d'une société financière, vous allez développer et implémenter un modèle de </a:t>
+            </a:r>
+            <a:r>
+              <a:rPr lang="fr-FR" sz="1600" dirty="0" err="1" smtClean="0">
+                <a:solidFill>
+                  <a:srgbClr val="00B0F0"/>
+                </a:solidFill>
+              </a:rPr>
+              <a:t>scoring</a:t>
+            </a:r>
+            <a:r>
+              <a:rPr lang="fr-FR" sz="1600" dirty="0" smtClean="0">
+                <a:solidFill>
+                  <a:srgbClr val="00B0F0"/>
+                </a:solidFill>
+              </a:rPr>
+              <a:t> pour aider les équipes métiers à accorder un crédit à un client.</a:t>
+            </a:r>
+          </a:p>
+          <a:p>
+            <a:endParaRPr lang="fr-FR" sz="1600" dirty="0" smtClean="0">
+              <a:solidFill>
+                <a:srgbClr val="00B0F0"/>
+              </a:solidFill>
+            </a:endParaRPr>
+          </a:p>
+          <a:p>
+            <a:r>
+              <a:rPr lang="fr-FR" sz="1600" dirty="0" smtClean="0">
+                <a:solidFill>
+                  <a:srgbClr val="00B0F0"/>
+                </a:solidFill>
+              </a:rPr>
+              <a:t>Compétences cibles : </a:t>
+            </a:r>
+          </a:p>
+          <a:p>
+            <a:endParaRPr lang="fr-FR" sz="1600" dirty="0" smtClean="0">
+              <a:solidFill>
+                <a:srgbClr val="00B0F0"/>
+              </a:solidFill>
+            </a:endParaRPr>
+          </a:p>
+          <a:p>
+            <a:r>
+              <a:rPr lang="fr-FR" sz="1600" dirty="0" smtClean="0">
+                <a:solidFill>
+                  <a:srgbClr val="00B0F0"/>
+                </a:solidFill>
+              </a:rPr>
+              <a:t>Déployer un modèle via une API dans le Web </a:t>
+            </a:r>
+          </a:p>
+          <a:p>
+            <a:r>
+              <a:rPr lang="fr-FR" sz="1600" dirty="0" smtClean="0">
+                <a:solidFill>
+                  <a:srgbClr val="00B0F0"/>
+                </a:solidFill>
+              </a:rPr>
+              <a:t>Réaliser un </a:t>
+            </a:r>
+            <a:r>
+              <a:rPr lang="fr-FR" sz="1600" dirty="0" err="1" smtClean="0">
+                <a:solidFill>
+                  <a:srgbClr val="00B0F0"/>
+                </a:solidFill>
+              </a:rPr>
+              <a:t>dashboard</a:t>
+            </a:r>
+            <a:r>
+              <a:rPr lang="fr-FR" sz="1600" dirty="0" smtClean="0">
+                <a:solidFill>
+                  <a:srgbClr val="00B0F0"/>
+                </a:solidFill>
+              </a:rPr>
+              <a:t> pour présenter son travail de modélisation </a:t>
+            </a:r>
+          </a:p>
+          <a:p>
+            <a:r>
+              <a:rPr lang="fr-FR" sz="1600" dirty="0" smtClean="0">
+                <a:solidFill>
+                  <a:srgbClr val="00B0F0"/>
+                </a:solidFill>
+              </a:rPr>
+              <a:t>Rédiger une note méthodologique afin de communiquer sa démarche de modélisation    </a:t>
+            </a:r>
+          </a:p>
+          <a:p>
+            <a:r>
+              <a:rPr lang="fr-FR" sz="1600" dirty="0" smtClean="0">
+                <a:solidFill>
+                  <a:srgbClr val="00B0F0"/>
+                </a:solidFill>
+              </a:rPr>
+              <a:t>Utiliser un logiciel de version de code pour assurer l’intégration du modèle </a:t>
+            </a:r>
+          </a:p>
+          <a:p>
+            <a:r>
+              <a:rPr lang="fr-FR" sz="1600" dirty="0" smtClean="0">
+                <a:solidFill>
+                  <a:srgbClr val="00B0F0"/>
+                </a:solidFill>
+              </a:rPr>
+              <a:t>Présenter son travail de modélisation à l'oral</a:t>
+            </a:r>
+          </a:p>
+          <a:p>
+            <a:endParaRPr lang="fr-FR" dirty="0" smtClean="0">
+              <a:solidFill>
+                <a:srgbClr val="00B0F0"/>
+              </a:solidFill>
+            </a:endParaRPr>
+          </a:p>
+        </p:txBody>
+      </p:sp>
+    </p:spTree>
+  </p:cSld>
+  <p:clrMapOvr>
+    <a:masterClrMapping/>
+  </p:clrMapOvr>
+</p:sld>
+</file>
+
+<file path=ppt/slides/slide20.xml><?xml version="1.0" encoding="utf-8"?>
 <p:sld xmlns:a="http://schemas.openxmlformats.org/drawingml/2006/main" xmlns:r="http://schemas.openxmlformats.org/officeDocument/2006/relationships" xmlns:p="http://schemas.openxmlformats.org/presentationml/2006/main">
   <p:cSld>
     <p:spTree>
@@ -33524,394 +34709,6 @@
       </p:par>
     </p:tnLst>
   </p:timing>
-</p:sld>
-</file>
-
-<file path=ppt/slides/slide2.xml><?xml version="1.0" encoding="utf-8"?>
-<p:sld xmlns:a="http://schemas.openxmlformats.org/drawingml/2006/main" xmlns:r="http://schemas.openxmlformats.org/officeDocument/2006/relationships" xmlns:p="http://schemas.openxmlformats.org/presentationml/2006/main">
-  <p:cSld>
-    <p:spTree>
-      <p:nvGrpSpPr>
-        <p:cNvPr id="1" name=""/>
-        <p:cNvGrpSpPr/>
-        <p:nvPr/>
-      </p:nvGrpSpPr>
-      <p:grpSpPr>
-        <a:xfrm>
-          <a:off x="0" y="0"/>
-          <a:ext cx="0" cy="0"/>
-          <a:chOff x="0" y="0"/>
-          <a:chExt cx="0" cy="0"/>
-        </a:xfrm>
-      </p:grpSpPr>
-      <p:sp>
-        <p:nvSpPr>
-          <p:cNvPr id="2" name="Rectangle 1"/>
-          <p:cNvSpPr/>
-          <p:nvPr/>
-        </p:nvSpPr>
-        <p:spPr>
-          <a:xfrm>
-            <a:off x="0" y="0"/>
-            <a:ext cx="9144000" cy="5201424"/>
-          </a:xfrm>
-          <a:prstGeom prst="rect">
-            <a:avLst/>
-          </a:prstGeom>
-        </p:spPr>
-        <p:txBody>
-          <a:bodyPr wrap="square">
-            <a:spAutoFit/>
-          </a:bodyPr>
-          <a:lstStyle/>
-          <a:p>
-            <a:r>
-              <a:rPr lang="fr-FR" i="1" dirty="0" smtClean="0">
-                <a:solidFill>
-                  <a:srgbClr val="C00000"/>
-                </a:solidFill>
-              </a:rPr>
-              <a:t>Afin que l'évaluateur comprenne que le Projet 7 a été terminé avant les nouvelles modifications : </a:t>
-            </a:r>
-            <a:br>
-              <a:rPr lang="fr-FR" i="1" dirty="0" smtClean="0">
-                <a:solidFill>
-                  <a:srgbClr val="C00000"/>
-                </a:solidFill>
-              </a:rPr>
-            </a:br>
-            <a:r>
-              <a:rPr lang="fr-FR" i="1" dirty="0" smtClean="0">
-                <a:solidFill>
-                  <a:srgbClr val="C00000"/>
-                </a:solidFill>
-              </a:rPr>
-              <a:t>J'ai entamé et mené à terme mon travail sur le projet archivé : </a:t>
-            </a:r>
-          </a:p>
-          <a:p>
-            <a:r>
-              <a:rPr lang="fr-FR" i="1" dirty="0" smtClean="0">
-                <a:solidFill>
-                  <a:srgbClr val="C00000"/>
-                </a:solidFill>
-              </a:rPr>
-              <a:t>c'est-à-dire que j'ai débuté et achevé le Projet 7 avant le 14/12/2022. </a:t>
-            </a:r>
-          </a:p>
-          <a:p>
-            <a:endParaRPr lang="fr-FR" dirty="0" smtClean="0"/>
-          </a:p>
-          <a:p>
-            <a:r>
-              <a:rPr lang="fr-FR" b="1" dirty="0" smtClean="0"/>
-              <a:t>Projet 7 du parcours Data </a:t>
-            </a:r>
-            <a:r>
-              <a:rPr lang="fr-FR" b="1" dirty="0" err="1" smtClean="0"/>
-              <a:t>Scientist</a:t>
-            </a:r>
-            <a:r>
-              <a:rPr lang="fr-FR" b="1" dirty="0" smtClean="0"/>
-              <a:t> </a:t>
-            </a:r>
-          </a:p>
-          <a:p>
-            <a:r>
-              <a:rPr lang="fr-FR" sz="1600" dirty="0" smtClean="0">
-                <a:solidFill>
-                  <a:srgbClr val="00B0F0"/>
-                </a:solidFill>
-              </a:rPr>
-              <a:t>Un </a:t>
-            </a:r>
-            <a:r>
-              <a:rPr lang="fr-FR" sz="1600" dirty="0" err="1" smtClean="0">
-                <a:solidFill>
-                  <a:srgbClr val="00B0F0"/>
-                </a:solidFill>
-              </a:rPr>
-              <a:t>dashboard</a:t>
-            </a:r>
-            <a:r>
-              <a:rPr lang="fr-FR" sz="1600" dirty="0" smtClean="0">
-                <a:solidFill>
-                  <a:srgbClr val="00B0F0"/>
-                </a:solidFill>
-              </a:rPr>
-              <a:t> </a:t>
-            </a:r>
-            <a:r>
-              <a:rPr lang="fr-FR" sz="1600" dirty="0" err="1" smtClean="0">
-                <a:solidFill>
-                  <a:srgbClr val="00B0F0"/>
-                </a:solidFill>
-              </a:rPr>
-              <a:t>streamlit</a:t>
-            </a:r>
-            <a:r>
-              <a:rPr lang="fr-FR" sz="1600" dirty="0" smtClean="0">
-                <a:solidFill>
-                  <a:srgbClr val="00B0F0"/>
-                </a:solidFill>
-              </a:rPr>
-              <a:t> est déployé sur </a:t>
-            </a:r>
-            <a:r>
-              <a:rPr lang="fr-FR" sz="1600" dirty="0" err="1" smtClean="0">
-                <a:solidFill>
-                  <a:srgbClr val="00B0F0"/>
-                </a:solidFill>
-              </a:rPr>
-              <a:t>Heroku</a:t>
-            </a:r>
-            <a:r>
-              <a:rPr lang="fr-FR" sz="1600" dirty="0" smtClean="0">
-                <a:solidFill>
-                  <a:srgbClr val="00B0F0"/>
-                </a:solidFill>
-              </a:rPr>
-              <a:t>. </a:t>
-            </a:r>
-          </a:p>
-          <a:p>
-            <a:endParaRPr lang="fr-FR" sz="1600" dirty="0" smtClean="0">
-              <a:solidFill>
-                <a:srgbClr val="00B0F0"/>
-              </a:solidFill>
-            </a:endParaRPr>
-          </a:p>
-          <a:p>
-            <a:r>
-              <a:rPr lang="fr-FR" sz="1600" dirty="0" smtClean="0">
-                <a:solidFill>
-                  <a:srgbClr val="00B0F0"/>
-                </a:solidFill>
-              </a:rPr>
-              <a:t>Il est visible en suivant le lien suivant : </a:t>
-            </a:r>
-            <a:r>
-              <a:rPr lang="fr-FR" sz="1600" dirty="0" smtClean="0">
-                <a:solidFill>
-                  <a:srgbClr val="00B0F0"/>
-                </a:solidFill>
-                <a:hlinkClick r:id="rId2"/>
-              </a:rPr>
-              <a:t>https://oc-dashboard-streamlit-mm.herokuapp.com/</a:t>
-            </a:r>
-            <a:r>
-              <a:rPr lang="fr-FR" sz="1600" dirty="0" smtClean="0">
-                <a:solidFill>
-                  <a:srgbClr val="00B0F0"/>
-                </a:solidFill>
-              </a:rPr>
-              <a:t> </a:t>
-            </a:r>
-          </a:p>
-          <a:p>
-            <a:endParaRPr lang="fr-FR" sz="1600" dirty="0" smtClean="0">
-              <a:solidFill>
-                <a:srgbClr val="00B0F0"/>
-              </a:solidFill>
-            </a:endParaRPr>
-          </a:p>
-          <a:p>
-            <a:r>
-              <a:rPr lang="fr-FR" sz="1600" dirty="0" smtClean="0">
-                <a:solidFill>
-                  <a:srgbClr val="00B0F0"/>
-                </a:solidFill>
-              </a:rPr>
-              <a:t>Il affiche de nombreuses données et graphes relatifs à un client choisi : </a:t>
-            </a:r>
-          </a:p>
-          <a:p>
-            <a:r>
-              <a:rPr lang="fr-FR" sz="1600" dirty="0" smtClean="0">
-                <a:solidFill>
-                  <a:srgbClr val="00B0F0"/>
-                </a:solidFill>
-              </a:rPr>
-              <a:t>  </a:t>
-            </a:r>
-          </a:p>
-          <a:p>
-            <a:r>
-              <a:rPr lang="fr-FR" sz="1600" dirty="0" smtClean="0">
-                <a:solidFill>
-                  <a:srgbClr val="00B0F0"/>
-                </a:solidFill>
-              </a:rPr>
-              <a:t>Risque de défaut (en %)     </a:t>
-            </a:r>
-          </a:p>
-          <a:p>
-            <a:r>
-              <a:rPr lang="fr-FR" sz="1600" dirty="0" smtClean="0">
-                <a:solidFill>
-                  <a:srgbClr val="00B0F0"/>
-                </a:solidFill>
-              </a:rPr>
-              <a:t>Décision du modèle    </a:t>
-            </a:r>
-          </a:p>
-          <a:p>
-            <a:r>
-              <a:rPr lang="fr-FR" sz="1600" dirty="0" smtClean="0">
-                <a:solidFill>
-                  <a:srgbClr val="00B0F0"/>
-                </a:solidFill>
-              </a:rPr>
-              <a:t>Données numérique du client (avant et après traitement) </a:t>
-            </a:r>
-          </a:p>
-          <a:p>
-            <a:r>
-              <a:rPr lang="fr-FR" sz="1600" dirty="0" smtClean="0">
-                <a:solidFill>
-                  <a:srgbClr val="00B0F0"/>
-                </a:solidFill>
-              </a:rPr>
-              <a:t>Graphe situant les paramètres du client par rapport aux autres clients et autres clients similaires (</a:t>
-            </a:r>
-            <a:r>
-              <a:rPr lang="fr-FR" sz="1600" dirty="0" err="1" smtClean="0">
-                <a:solidFill>
-                  <a:srgbClr val="00B0F0"/>
-                </a:solidFill>
-              </a:rPr>
-              <a:t>boxplot</a:t>
-            </a:r>
-            <a:r>
-              <a:rPr lang="fr-FR" sz="1600" dirty="0" smtClean="0">
-                <a:solidFill>
-                  <a:srgbClr val="00B0F0"/>
-                </a:solidFill>
-              </a:rPr>
-              <a:t>, </a:t>
-            </a:r>
-            <a:r>
-              <a:rPr lang="fr-FR" sz="1600" dirty="0" err="1" smtClean="0">
-                <a:solidFill>
-                  <a:srgbClr val="00B0F0"/>
-                </a:solidFill>
-              </a:rPr>
-              <a:t>scatterplots</a:t>
-            </a:r>
-            <a:r>
-              <a:rPr lang="fr-FR" sz="1600" dirty="0" smtClean="0">
-                <a:solidFill>
-                  <a:srgbClr val="00B0F0"/>
-                </a:solidFill>
-              </a:rPr>
-              <a:t>)</a:t>
-            </a:r>
-          </a:p>
-          <a:p>
-            <a:r>
-              <a:rPr lang="fr-FR" sz="1600" dirty="0" smtClean="0">
-                <a:solidFill>
-                  <a:srgbClr val="00B0F0"/>
-                </a:solidFill>
-              </a:rPr>
-              <a:t>Importance globale et locale des paramètres dans la décision du modèle . Les données du client et les résultats Cette API est interrogée par un </a:t>
-            </a:r>
-            <a:r>
-              <a:rPr lang="fr-FR" sz="1600" dirty="0" err="1" smtClean="0">
-                <a:solidFill>
-                  <a:srgbClr val="00B0F0"/>
-                </a:solidFill>
-              </a:rPr>
-              <a:t>dashboard</a:t>
-            </a:r>
-            <a:r>
-              <a:rPr lang="fr-FR" sz="1600" dirty="0" smtClean="0">
-                <a:solidFill>
-                  <a:srgbClr val="00B0F0"/>
-                </a:solidFill>
-              </a:rPr>
-              <a:t> développé grâce à </a:t>
-            </a:r>
-            <a:r>
-              <a:rPr lang="fr-FR" sz="1600" dirty="0" err="1" smtClean="0">
-                <a:solidFill>
-                  <a:srgbClr val="00B0F0"/>
-                </a:solidFill>
-              </a:rPr>
-              <a:t>Streamlit</a:t>
-            </a:r>
-            <a:r>
-              <a:rPr lang="fr-FR" sz="1600" dirty="0" smtClean="0">
-                <a:solidFill>
-                  <a:srgbClr val="00B0F0"/>
-                </a:solidFill>
-              </a:rPr>
-              <a:t>. </a:t>
-            </a:r>
-          </a:p>
-          <a:p>
-            <a:r>
-              <a:rPr lang="fr-FR" sz="1600" dirty="0" smtClean="0">
-                <a:solidFill>
-                  <a:srgbClr val="00B0F0"/>
-                </a:solidFill>
-              </a:rPr>
-              <a:t>Online Dashboard </a:t>
-            </a:r>
-            <a:r>
-              <a:rPr lang="fr-FR" sz="1600" dirty="0" err="1" smtClean="0">
-                <a:solidFill>
-                  <a:srgbClr val="00B0F0"/>
-                </a:solidFill>
-              </a:rPr>
-              <a:t>Demonstration</a:t>
-            </a:r>
-            <a:r>
-              <a:rPr lang="fr-FR" sz="1600" dirty="0" smtClean="0">
-                <a:solidFill>
-                  <a:srgbClr val="00B0F0"/>
-                </a:solidFill>
-              </a:rPr>
-              <a:t> </a:t>
-            </a:r>
-            <a:r>
-              <a:rPr lang="fr-FR" sz="1600" dirty="0" err="1" smtClean="0">
-                <a:solidFill>
-                  <a:srgbClr val="00B0F0"/>
-                </a:solidFill>
-              </a:rPr>
-              <a:t>Video</a:t>
-            </a:r>
-            <a:r>
-              <a:rPr lang="fr-FR" sz="1600" dirty="0" smtClean="0">
-                <a:solidFill>
-                  <a:srgbClr val="00B0F0"/>
-                </a:solidFill>
-              </a:rPr>
-              <a:t> :  </a:t>
-            </a:r>
-            <a:r>
-              <a:rPr lang="fr-FR" sz="1600" dirty="0" smtClean="0">
-                <a:solidFill>
-                  <a:srgbClr val="00B0F0"/>
-                </a:solidFill>
-                <a:hlinkClick r:id="rId3"/>
-              </a:rPr>
-              <a:t>https://youtu.be/u9gxr55TN7U</a:t>
-            </a:r>
-            <a:endParaRPr lang="fr-FR" dirty="0" smtClean="0">
-              <a:solidFill>
-                <a:srgbClr val="00B0F0"/>
-              </a:solidFill>
-            </a:endParaRPr>
-          </a:p>
-        </p:txBody>
-      </p:sp>
-    </p:spTree>
-  </p:cSld>
-  <p:clrMapOvr>
-    <a:masterClrMapping/>
-  </p:clrMapOvr>
 </p:sld>
 </file>
 
@@ -50511,7 +51308,7 @@
                   <a:srgbClr val="7030A0"/>
                 </a:solidFill>
               </a:rPr>
-              <a:t>Pour augmenter son chiffre d'affaires, l'entreprise "Prêt à Dépenser" doit intégrer le plus de clients possible capables de rembourser, en se basant sur les données informatiques relatives à chaque client. </a:t>
+              <a:t>Pour augmenter son chiffre d'affaires, HOME CREDIT doit intégrer le plus de clients possible capables de rembourser, en se basant sur les données informatiques relatives à chaque client. </a:t>
             </a:r>
           </a:p>
           <a:p>
@@ -50535,7 +51332,7 @@
                   <a:srgbClr val="7030A0"/>
                 </a:solidFill>
               </a:rPr>
-              <a:t>Pour s'assurer que cette population mal desservie est en mesure de rembourser, l'entreprise "Prêt à Dépenser" utilise diverses données alternatives, telles que des informations sur les télécommunications et les transactions, pour prédire les capacités de remboursement de ses clients.</a:t>
+              <a:t>Pour s'assurer que cette population mal desservie est en mesure de rembourser, HOME CREDIT utilise diverses données alternatives, telles que des informations sur les télécommunications et les transactions, pour prédire les capacités de remboursement de ses clients.</a:t>
             </a:r>
             <a:endParaRPr lang="en-US" sz="3200" i="1" spc="-1" dirty="0" smtClean="0">
               <a:solidFill>
@@ -50559,12 +51356,20 @@
               <a:buChar char=""/>
             </a:pPr>
             <a:r>
+              <a:rPr lang="fr-FR" sz="3200" i="1" spc="-1" smtClean="0">
+                <a:solidFill>
+                  <a:srgbClr val="7030A0"/>
+                </a:solidFill>
+              </a:rPr>
+              <a:t>HOME </a:t>
+            </a:r>
+            <a:r>
               <a:rPr lang="fr-FR" sz="3200" i="1" spc="-1" dirty="0" smtClean="0">
                 <a:solidFill>
                   <a:srgbClr val="7030A0"/>
                 </a:solidFill>
               </a:rPr>
-              <a:t>L'entreprise "Prêt à Dépenser" utilise actuellement diverses méthodes statistiques d'apprentissage automatique pour faire ses prédictions.  </a:t>
+              <a:t>CREDIT utilise actuellement diverses méthodes statistiques d'apprentissage automatique pour faire ses prédictions.  </a:t>
             </a:r>
           </a:p>
           <a:p>
@@ -57406,8 +58211,29 @@
                   <a:srgbClr val="0070C0"/>
                 </a:solidFill>
               </a:rPr>
-              <a:t>Dans ce projet, nous utilisons les données de l'entreprise "Prêt à Dépenser". </a:t>
+              <a:t>Dans ce projet, nous utilisons les données de </a:t>
             </a:r>
+            <a:r>
+              <a:rPr lang="fr-FR" sz="3200" i="1" spc="-1" dirty="0" smtClean="0">
+                <a:solidFill>
+                  <a:srgbClr val="0070C0"/>
+                </a:solidFill>
+              </a:rPr>
+              <a:t>HOME CREDIT</a:t>
+            </a:r>
+            <a:r>
+              <a:rPr lang="fr-FR" sz="3200" i="1" spc="-1" dirty="0" smtClean="0">
+                <a:solidFill>
+                  <a:srgbClr val="7030A0"/>
+                </a:solidFill>
+              </a:rPr>
+              <a:t>.  </a:t>
+            </a:r>
+            <a:endParaRPr lang="fr-FR" sz="3200" i="1" dirty="0" smtClean="0">
+              <a:solidFill>
+                <a:srgbClr val="0070C0"/>
+              </a:solidFill>
+            </a:endParaRPr>
           </a:p>
           <a:p>
             <a:pPr marL="432000" indent="-324000">
@@ -57427,7 +58253,7 @@
                   <a:srgbClr val="0070C0"/>
                 </a:solidFill>
               </a:rPr>
-              <a:t>Leur intérêt est de prédire dans quelle mesure chaque demandeur est capable de rembourser un prêt. </a:t>
+              <a:t>L’ intérêt de ce Projet est de prédire dans quelle mesure chaque demandeur est capable de rembourser un prêt. </a:t>
             </a:r>
           </a:p>
           <a:p>
@@ -57450,25 +58276,6 @@
               </a:rPr>
               <a:t>L'ensemble des données a une taille de 2,68 Go avec plusieurs fichiers.</a:t>
             </a:r>
-          </a:p>
-          <a:p>
-            <a:pPr marL="432000" indent="-324000">
-              <a:spcBef>
-                <a:spcPts val="1417"/>
-              </a:spcBef>
-              <a:buClr>
-                <a:srgbClr val="000000"/>
-              </a:buClr>
-              <a:buSzPct val="45000"/>
-              <a:buFont typeface="Wingdings" charset="2"/>
-              <a:buChar char=""/>
-            </a:pPr>
-            <a:endParaRPr lang="en-US" sz="3200" b="0" i="1" strike="noStrike" spc="-1" dirty="0">
-              <a:solidFill>
-                <a:srgbClr val="0070C0"/>
-              </a:solidFill>
-              <a:latin typeface="Arial"/>
-            </a:endParaRPr>
           </a:p>
         </p:txBody>
       </p:sp>
@@ -57505,8 +58312,8 @@
         </p:nvSpPr>
         <p:spPr>
           <a:xfrm>
-            <a:off x="457200" y="9000"/>
-            <a:ext cx="8229240" cy="1250280"/>
+            <a:off x="0" y="267494"/>
+            <a:ext cx="9144000" cy="720080"/>
           </a:xfrm>
           <a:prstGeom prst="rect">
             <a:avLst/>
@@ -57522,16 +58329,13 @@
           <a:p>
             <a:pPr algn="ctr"/>
             <a:r>
-              <a:rPr lang="en-US" sz="4400" b="0" strike="noStrike" spc="-1">
-                <a:latin typeface="Arial"/>
-              </a:rPr>
-              <a:t>Description des données</a:t>
-            </a:r>
-            <a:r>
+              <a:rPr dirty="0"/>
               <a:t/>
             </a:r>
-            <a:br/>
-            <a:endParaRPr lang="en-US" sz="4400" b="0" strike="noStrike" spc="-1">
+            <a:br>
+              <a:rPr dirty="0"/>
+            </a:br>
+            <a:endParaRPr lang="en-US" sz="4400" b="0" strike="noStrike" spc="-1" dirty="0">
               <a:latin typeface="Arial"/>
             </a:endParaRPr>
           </a:p>
@@ -57539,36 +58343,97 @@
       </p:sp>
       <p:pic>
         <p:nvPicPr>
-          <p:cNvPr id="1026" name="Picture 2"/>
+          <p:cNvPr id="4" name="Image 3">
+            <a:extLst>
+              <a:ext uri="{FF2B5EF4-FFF2-40B4-BE49-F238E27FC236}">
+                <a16:creationId xmlns:lc="http://schemas.openxmlformats.org/drawingml/2006/lockedCanvas" xmlns:a16="http://schemas.microsoft.com/office/drawing/2014/main" xmlns="" id="{A9C750EF-DC89-4541-AA31-629908867615}"/>
+              </a:ext>
+            </a:extLst>
+          </p:cNvPr>
           <p:cNvPicPr>
-            <a:picLocks noChangeAspect="1" noChangeArrowheads="1"/>
+            <a:picLocks noChangeAspect="1"/>
           </p:cNvPicPr>
           <p:nvPr/>
         </p:nvPicPr>
         <p:blipFill>
           <a:blip r:embed="rId2" cstate="print"/>
-          <a:srcRect/>
           <a:stretch>
             <a:fillRect/>
           </a:stretch>
         </p:blipFill>
-        <p:spPr bwMode="auto">
+        <p:spPr>
           <a:xfrm>
-            <a:off x="611560" y="627534"/>
-            <a:ext cx="8135755" cy="4443958"/>
+            <a:off x="0" y="0"/>
+            <a:ext cx="9144000" cy="5143500"/>
           </a:xfrm>
           <a:prstGeom prst="rect">
             <a:avLst/>
           </a:prstGeom>
-          <a:noFill/>
-          <a:ln w="9525">
-            <a:noFill/>
-            <a:miter lim="800000"/>
-            <a:headEnd/>
-            <a:tailEnd/>
-          </a:ln>
         </p:spPr>
       </p:pic>
+      <p:sp>
+        <p:nvSpPr>
+          <p:cNvPr id="5" name="Rectangle 4"/>
+          <p:cNvSpPr/>
+          <p:nvPr/>
+        </p:nvSpPr>
+        <p:spPr>
+          <a:xfrm>
+            <a:off x="1" y="267494"/>
+            <a:ext cx="2627784" cy="830997"/>
+          </a:xfrm>
+          <a:prstGeom prst="rect">
+            <a:avLst/>
+          </a:prstGeom>
+        </p:spPr>
+        <p:txBody>
+          <a:bodyPr wrap="square">
+            <a:spAutoFit/>
+          </a:bodyPr>
+          <a:lstStyle/>
+          <a:p>
+            <a:r>
+              <a:rPr lang="en-US" sz="2400" b="1" i="1" u="sng" spc="-1" dirty="0" smtClean="0">
+                <a:solidFill>
+                  <a:srgbClr val="00B050"/>
+                </a:solidFill>
+              </a:rPr>
+              <a:t>Description des </a:t>
+            </a:r>
+          </a:p>
+          <a:p>
+            <a:r>
+              <a:rPr lang="en-US" sz="2400" b="1" i="1" u="sng" spc="-1" dirty="0" smtClean="0">
+                <a:solidFill>
+                  <a:srgbClr val="00B050"/>
+                </a:solidFill>
+              </a:rPr>
+              <a:t> </a:t>
+            </a:r>
+            <a:r>
+              <a:rPr lang="en-US" sz="2400" b="1" i="1" u="sng" spc="-1" dirty="0" err="1" smtClean="0">
+                <a:solidFill>
+                  <a:srgbClr val="00B050"/>
+                </a:solidFill>
+              </a:rPr>
+              <a:t>données</a:t>
+            </a:r>
+            <a:r>
+              <a:rPr lang="en-US" sz="2400" b="1" i="1" u="sng" spc="-1" dirty="0" smtClean="0">
+                <a:solidFill>
+                  <a:srgbClr val="00B050"/>
+                </a:solidFill>
+              </a:rPr>
+              <a:t> </a:t>
+            </a:r>
+            <a:endParaRPr lang="fr-FR" sz="2400" b="1" i="1" u="sng" dirty="0">
+              <a:solidFill>
+                <a:srgbClr val="00B050"/>
+              </a:solidFill>
+            </a:endParaRPr>
+          </a:p>
+        </p:txBody>
+      </p:sp>
     </p:spTree>
   </p:cSld>
   <p:clrMapOvr>
@@ -57602,7 +58467,7 @@
         </p:nvSpPr>
         <p:spPr>
           <a:xfrm>
-            <a:off x="467544" y="0"/>
+            <a:off x="539552" y="123478"/>
             <a:ext cx="8229240" cy="1250280"/>
           </a:xfrm>
           <a:prstGeom prst="rect">
@@ -57651,8 +58516,8 @@
         </p:nvSpPr>
         <p:spPr>
           <a:xfrm>
-            <a:off x="0" y="627534"/>
-            <a:ext cx="8229240" cy="2982960"/>
+            <a:off x="0" y="1131590"/>
+            <a:ext cx="9144000" cy="2520280"/>
           </a:xfrm>
           <a:prstGeom prst="rect">
             <a:avLst/>
@@ -57664,7 +58529,7 @@
         </p:spPr>
         <p:txBody>
           <a:bodyPr lIns="0" tIns="0" rIns="0" bIns="0">
-            <a:normAutofit lnSpcReduction="10000"/>
+            <a:normAutofit/>
           </a:bodyPr>
           <a:lstStyle/>
           <a:p>
@@ -57680,46 +58545,34 @@
               <a:buChar char=""/>
             </a:pPr>
             <a:r>
-              <a:rPr lang="en-US" sz="1500" b="0" strike="noStrike" spc="-1" dirty="0">
+              <a:rPr lang="en-US" sz="1500" spc="-1" dirty="0" smtClean="0">
                 <a:latin typeface="Arial"/>
               </a:rPr>
-              <a:t>Les </a:t>
+              <a:t>Il y a</a:t>
             </a:r>
             <a:r>
-              <a:rPr lang="en-US" sz="1500" b="0" strike="noStrike" spc="-1" dirty="0" err="1">
+              <a:rPr lang="en-US" sz="1500" b="0" strike="noStrike" spc="-1" dirty="0" smtClean="0">
+                <a:latin typeface="Arial"/>
+              </a:rPr>
+              <a:t> 307511 </a:t>
+            </a:r>
+            <a:r>
+              <a:rPr lang="en-US" sz="1500" b="0" strike="noStrike" spc="-1" dirty="0" err="1" smtClean="0">
                 <a:latin typeface="Arial"/>
               </a:rPr>
               <a:t>données</a:t>
             </a:r>
             <a:r>
-              <a:rPr lang="en-US" sz="1500" b="0" strike="noStrike" spc="-1" dirty="0">
+              <a:rPr lang="en-US" sz="1500" b="0" strike="noStrike" spc="-1" dirty="0" smtClean="0">
                 <a:latin typeface="Arial"/>
               </a:rPr>
               <a:t> </a:t>
             </a:r>
             <a:r>
-              <a:rPr lang="en-US" sz="1500" b="0" strike="noStrike" spc="-1" dirty="0" err="1">
-                <a:latin typeface="Arial"/>
-              </a:rPr>
-              <a:t>ont</a:t>
-            </a:r>
-            <a:r>
               <a:rPr lang="en-US" sz="1500" b="0" strike="noStrike" spc="-1" dirty="0">
                 <a:latin typeface="Arial"/>
               </a:rPr>
-              <a:t> 307511 </a:t>
-            </a:r>
-            <a:r>
-              <a:rPr lang="en-US" sz="1500" b="0" strike="noStrike" spc="-1" dirty="0" err="1">
-                <a:latin typeface="Arial"/>
-              </a:rPr>
-              <a:t>prêts</a:t>
-            </a:r>
-            <a:r>
-              <a:rPr lang="en-US" sz="1500" b="0" strike="noStrike" spc="-1" dirty="0">
-                <a:latin typeface="Arial"/>
-              </a:rPr>
-              <a:t> et le </a:t>
+              <a:t>et le </a:t>
             </a:r>
             <a:r>
               <a:rPr lang="en-US" sz="1500" b="0" strike="noStrike" spc="-1" dirty="0" err="1">
@@ -57734,68 +58587,49 @@
               <a:t> de </a:t>
             </a:r>
             <a:r>
-              <a:rPr lang="en-US" sz="1500" b="0" strike="noStrike" spc="-1" dirty="0" err="1">
+              <a:rPr lang="en-US" sz="1500" spc="-1" dirty="0" err="1" smtClean="0">
                 <a:latin typeface="Arial"/>
               </a:rPr>
-              <a:t>défaut</a:t>
+              <a:t>valeurs</a:t>
             </a:r>
             <a:r>
-              <a:rPr lang="en-US" sz="1500" b="0" strike="noStrike" spc="-1" dirty="0">
+              <a:rPr lang="en-US" sz="1500" spc="-1" dirty="0" smtClean="0">
                 <a:latin typeface="Arial"/>
               </a:rPr>
               <a:t> </a:t>
             </a:r>
             <a:r>
-              <a:rPr lang="en-US" sz="1500" b="0" strike="noStrike" spc="-1" dirty="0" err="1">
+              <a:rPr lang="en-US" sz="1500" spc="-1" dirty="0" err="1" smtClean="0">
                 <a:latin typeface="Arial"/>
               </a:rPr>
-              <a:t>est</a:t>
+              <a:t>manquantes</a:t>
             </a:r>
             <a:r>
-              <a:rPr lang="en-US" sz="1500" b="0" strike="noStrike" spc="-1" dirty="0">
-                <a:latin typeface="Arial"/>
-              </a:rPr>
-              <a:t> de 0,0807288.</a:t>
-            </a:r>
-          </a:p>
-          <a:p>
-            <a:pPr marL="432000" indent="-324000">
-              <a:spcBef>
-                <a:spcPts val="1417"/>
-              </a:spcBef>
-              <a:buClr>
-                <a:srgbClr val="000000"/>
-              </a:buClr>
-              <a:buSzPct val="45000"/>
-              <a:buFont typeface="Wingdings" charset="2"/>
-              <a:buChar char=""/>
-            </a:pPr>
-            <a:r>
-              <a:rPr lang="en-US" sz="1500" b="0" strike="noStrike" spc="-1" dirty="0" smtClean="0">
-                <a:latin typeface="Arial"/>
-              </a:rPr>
-              <a:t>Le but de </a:t>
-            </a:r>
-            <a:r>
-              <a:rPr lang="en-US" sz="1500" b="0" strike="noStrike" spc="-1" dirty="0" err="1" smtClean="0">
-                <a:latin typeface="Arial"/>
-              </a:rPr>
-              <a:t>ce</a:t>
-            </a:r>
-            <a:r>
-              <a:rPr lang="en-US" sz="1500" b="0" strike="noStrike" spc="-1" dirty="0" smtClean="0">
+              <a:rPr lang="en-US" sz="1500" spc="-1" dirty="0" smtClean="0">
                 <a:latin typeface="Arial"/>
               </a:rPr>
               <a:t> </a:t>
             </a:r>
             <a:r>
-              <a:rPr lang="en-US" sz="1500" b="0" strike="noStrike" spc="-1" dirty="0" err="1" smtClean="0">
+              <a:rPr lang="en-US" sz="1500" spc="-1" dirty="0" err="1" smtClean="0">
                 <a:latin typeface="Arial"/>
               </a:rPr>
-              <a:t>projet</a:t>
+              <a:t>ou</a:t>
             </a:r>
             <a:r>
-              <a:rPr lang="en-US" sz="1500" b="0" strike="noStrike" spc="-1" dirty="0" smtClean="0">
+              <a:rPr lang="en-US" sz="1500" spc="-1" dirty="0" smtClean="0">
+                <a:latin typeface="Arial"/>
+              </a:rPr>
+              <a:t> </a:t>
+            </a:r>
+            <a:r>
+              <a:rPr lang="en-US" sz="1500" spc="-1" dirty="0" err="1" smtClean="0">
+                <a:latin typeface="Arial"/>
+              </a:rPr>
+              <a:t>nulles</a:t>
+            </a:r>
+            <a:r>
+              <a:rPr lang="en-US" sz="1500" spc="-1" dirty="0" smtClean="0">
                 <a:latin typeface="Arial"/>
               </a:rPr>
               <a:t> </a:t>
@@ -57810,55 +58644,13 @@
               <a:rPr lang="en-US" sz="1500" b="0" strike="noStrike" spc="-1" dirty="0" smtClean="0">
                 <a:latin typeface="Arial"/>
               </a:rPr>
-              <a:t> de </a:t>
+              <a:t> </a:t>
             </a:r>
             <a:r>
-              <a:rPr lang="en-US" sz="1500" b="0" strike="noStrike" spc="-1" dirty="0" err="1" smtClean="0">
+              <a:rPr lang="en-US" sz="1500" b="0" strike="noStrike" spc="-1" dirty="0">
                 <a:latin typeface="Arial"/>
               </a:rPr>
-              <a:t>prédire</a:t>
-            </a:r>
-            <a:r>
-              <a:rPr lang="en-US" sz="1500" b="0" strike="noStrike" spc="-1" dirty="0" smtClean="0">
-                <a:latin typeface="Arial"/>
-              </a:rPr>
-              <a:t> la </a:t>
-            </a:r>
-            <a:r>
-              <a:rPr lang="en-US" sz="1500" b="0" strike="noStrike" spc="-1" dirty="0" err="1" smtClean="0">
-                <a:latin typeface="Arial"/>
-              </a:rPr>
-              <a:t>probabilité</a:t>
-            </a:r>
-            <a:r>
-              <a:rPr lang="en-US" sz="1500" b="0" strike="noStrike" spc="-1" dirty="0" smtClean="0">
-                <a:latin typeface="Arial"/>
-              </a:rPr>
-              <a:t> de </a:t>
-            </a:r>
-            <a:r>
-              <a:rPr lang="en-US" sz="1500" b="0" strike="noStrike" spc="-1" dirty="0" err="1" smtClean="0">
-                <a:latin typeface="Arial"/>
-              </a:rPr>
-              <a:t>défaut</a:t>
-            </a:r>
-            <a:r>
-              <a:rPr lang="en-US" sz="1500" b="0" strike="noStrike" spc="-1" dirty="0" smtClean="0">
-                <a:latin typeface="Arial"/>
-              </a:rPr>
-              <a:t> pour </a:t>
-            </a:r>
-            <a:r>
-              <a:rPr lang="en-US" sz="1500" b="0" strike="noStrike" spc="-1" dirty="0" err="1" smtClean="0">
-                <a:latin typeface="Arial"/>
-              </a:rPr>
-              <a:t>chaque</a:t>
-            </a:r>
-            <a:r>
-              <a:rPr lang="en-US" sz="1500" b="0" strike="noStrike" spc="-1" dirty="0" smtClean="0">
-                <a:latin typeface="Arial"/>
-              </a:rPr>
-              <a:t> prêt.</a:t>
+              <a:t>de 0,0807288.</a:t>
             </a:r>
           </a:p>
           <a:p>
@@ -57875,11 +58667,22 @@
             </a:pPr>
             <a:r>
               <a:rPr lang="fr-FR" sz="1600" dirty="0" smtClean="0"/>
-              <a:t>Les données comprennent 122 caractéristiques relatives aux informations sur le prêt, aux détails du client (caractéristiques catégorielles sur le statut social et financier, ainsi que le jour et l'heure auxquels le client a été approché), aux informations sur les demandes des clients effectuées auprès de la source de données financières, à un indicateur pour 20 documents soumis par le client, aux données de 3 entreprises externes de diligence raisonnable en matière de crédit évaluant le risque client, aux données provenant d'une base de données externe fournissant des informations normalisées sur l'immeuble où vit le client, et au cercle social du client - c'est-à-dire le nombre de relations sociales du client ayant contracté un prêt auprès de l'entreprise.</a:t>
+              <a:t>Le but principal de ce projet est de prédire la probabilité de défaut pour chaque prêt en se basant sur l'information relative à la capacité de remboursement de chaque demandeur.</a:t>
             </a:r>
-            <a:endParaRPr lang="en-US" sz="1500" b="0" strike="noStrike" spc="-1" dirty="0" smtClean="0">
-              <a:latin typeface="Arial"/>
-            </a:endParaRPr>
+          </a:p>
+          <a:p>
+            <a:pPr marL="432000" indent="-324000">
+              <a:spcBef>
+                <a:spcPts val="1417"/>
+              </a:spcBef>
+              <a:buClr>
+                <a:srgbClr val="000000"/>
+              </a:buClr>
+              <a:buSzPct val="45000"/>
+              <a:buFont typeface="Wingdings" charset="2"/>
+              <a:buChar char=""/>
+            </a:pPr>
+            <a:endParaRPr lang="fr-FR" sz="1600" dirty="0" smtClean="0"/>
           </a:p>
         </p:txBody>
       </p:sp>
@@ -57895,7 +58698,7 @@
         </p:blipFill>
         <p:spPr>
           <a:xfrm>
-            <a:off x="5148064" y="3384540"/>
+            <a:off x="5004048" y="3147814"/>
             <a:ext cx="3896048" cy="1758960"/>
           </a:xfrm>
           <a:prstGeom prst="rect">
@@ -59037,4 +59840,287 @@
   <a:objectDefaults/>
   <a:extraClrSchemeLst/>
 </a:theme>
+</file>
+
+<file path=ppt/theme/theme6.xml><?xml version="1.0" encoding="utf-8"?>
+<a:theme xmlns:a="http://schemas.openxmlformats.org/drawingml/2006/main" name="Thème Office">
+  <a:themeElements>
+    <a:clrScheme name="Office">
+      <a:dk1>
+        <a:sysClr val="windowText" lastClr="000000"/>
+      </a:dk1>
+      <a:lt1>
+        <a:sysClr val="window" lastClr="FFFFFF"/>
+      </a:lt1>
+      <a:dk2>
+        <a:srgbClr val="1F497D"/>
+      </a:dk2>
+      <a:lt2>
+        <a:srgbClr val="EEECE1"/>
+      </a:lt2>
+      <a:accent1>
+        <a:srgbClr val="4F81BD"/>
+      </a:accent1>
+      <a:accent2>
+        <a:srgbClr val="C0504D"/>
+      </a:accent2>
+      <a:accent3>
+        <a:srgbClr val="9BBB59"/>
+      </a:accent3>
+      <a:accent4>
+        <a:srgbClr val="8064A2"/>
+      </a:accent4>
+      <a:accent5>
+        <a:srgbClr val="4BACC6"/>
+      </a:accent5>
+      <a:accent6>
+        <a:srgbClr val="F79646"/>
+      </a:accent6>
+      <a:hlink>
+        <a:srgbClr val="0000FF"/>
+      </a:hlink>
+      <a:folHlink>
+        <a:srgbClr val="800080"/>
+      </a:folHlink>
+    </a:clrScheme>
+    <a:fontScheme name="Office">
+      <a:majorFont>
+        <a:latin typeface="Calibri"/>
+        <a:ea typeface=""/>
+        <a:cs typeface=""/>
+        <a:font script="Jpan" typeface="ＭＳ Ｐゴシック"/>
+        <a:font script="Hang" typeface="맑은 고딕"/>
+        <a:font script="Hans" typeface="宋体"/>
+        <a:font script="Hant" typeface="新細明體"/>
+        <a:font script="Arab" typeface="Times New Roman"/>
+        <a:font script="Hebr" typeface="Times New Roman"/>
+        <a:font script="Thai" typeface="Angsana New"/>
+        <a:font script="Ethi" typeface="Nyala"/>
+        <a:font script="Beng" typeface="Vrinda"/>
+        <a:font script="Gujr" typeface="Shruti"/>
+        <a:font script="Khmr" typeface="MoolBoran"/>
+        <a:font script="Knda" typeface="Tunga"/>
+        <a:font script="Guru" typeface="Raavi"/>
+        <a:font script="Cans" typeface="Euphemia"/>
+        <a:font script="Cher" typeface="Plantagenet Cherokee"/>
+        <a:font script="Yiii" typeface="Microsoft Yi Baiti"/>
+        <a:font script="Tibt" typeface="Microsoft Himalaya"/>
+        <a:font script="Thaa" typeface="MV Boli"/>
+        <a:font script="Deva" typeface="Mangal"/>
+        <a:font script="Telu" typeface="Gautami"/>
+        <a:font script="Taml" typeface="Latha"/>
+        <a:font script="Syrc" typeface="Estrangelo Edessa"/>
+        <a:font script="Orya" typeface="Kalinga"/>
+        <a:font script="Mlym" typeface="Kartika"/>
+        <a:font script="Laoo" typeface="DokChampa"/>
+        <a:font script="Sinh" typeface="Iskoola Pota"/>
+        <a:font script="Mong" typeface="Mongolian Baiti"/>
+        <a:font script="Viet" typeface="Times New Roman"/>
+        <a:font script="Uigh" typeface="Microsoft Uighur"/>
+      </a:majorFont>
+      <a:minorFont>
+        <a:latin typeface="Calibri"/>
+        <a:ea typeface=""/>
+        <a:cs typeface=""/>
+        <a:font script="Jpan" typeface="ＭＳ Ｐゴシック"/>
+        <a:font script="Hang" typeface="맑은 고딕"/>
+        <a:font script="Hans" typeface="宋体"/>
+        <a:font script="Hant" typeface="新細明體"/>
+        <a:font script="Arab" typeface="Arial"/>
+        <a:font script="Hebr" typeface="Arial"/>
+        <a:font script="Thai" typeface="Cordia New"/>
+        <a:font script="Ethi" typeface="Nyala"/>
+        <a:font script="Beng" typeface="Vrinda"/>
+        <a:font script="Gujr" typeface="Shruti"/>
+        <a:font script="Khmr" typeface="DaunPenh"/>
+        <a:font script="Knda" typeface="Tunga"/>
+        <a:font script="Guru" typeface="Raavi"/>
+        <a:font script="Cans" typeface="Euphemia"/>
+        <a:font script="Cher" typeface="Plantagenet Cherokee"/>
+        <a:font script="Yiii" typeface="Microsoft Yi Baiti"/>
+        <a:font script="Tibt" typeface="Microsoft Himalaya"/>
+        <a:font script="Thaa" typeface="MV Boli"/>
+        <a:font script="Deva" typeface="Mangal"/>
+        <a:font script="Telu" typeface="Gautami"/>
+        <a:font script="Taml" typeface="Latha"/>
+        <a:font script="Syrc" typeface="Estrangelo Edessa"/>
+        <a:font script="Orya" typeface="Kalinga"/>
+        <a:font script="Mlym" typeface="Kartika"/>
+        <a:font script="Laoo" typeface="DokChampa"/>
+        <a:font script="Sinh" typeface="Iskoola Pota"/>
+        <a:font script="Mong" typeface="Mongolian Baiti"/>
+        <a:font script="Viet" typeface="Arial"/>
+        <a:font script="Uigh" typeface="Microsoft Uighur"/>
+      </a:minorFont>
+    </a:fontScheme>
+    <a:fmtScheme name="Office">
+      <a:fillStyleLst>
+        <a:solidFill>
+          <a:schemeClr val="phClr"/>
+        </a:solidFill>
+        <a:gradFill rotWithShape="1">
+          <a:gsLst>
+            <a:gs pos="0">
+              <a:schemeClr val="phClr">
+                <a:tint val="50000"/>
+                <a:satMod val="300000"/>
+              </a:schemeClr>
+            </a:gs>
+            <a:gs pos="35000">
+              <a:schemeClr val="phClr">
+                <a:tint val="37000"/>
+                <a:satMod val="300000"/>
+              </a:schemeClr>
+            </a:gs>
+            <a:gs pos="100000">
+              <a:schemeClr val="phClr">
+                <a:tint val="15000"/>
+                <a:satMod val="350000"/>
+              </a:schemeClr>
+            </a:gs>
+          </a:gsLst>
+          <a:lin ang="16200000" scaled="1"/>
+        </a:gradFill>
+        <a:gradFill rotWithShape="1">
+          <a:gsLst>
+            <a:gs pos="0">
+              <a:schemeClr val="phClr">
+                <a:shade val="51000"/>
+                <a:satMod val="130000"/>
+              </a:schemeClr>
+            </a:gs>
+            <a:gs pos="80000">
+              <a:schemeClr val="phClr">
+                <a:shade val="93000"/>
+                <a:satMod val="130000"/>
+              </a:schemeClr>
+            </a:gs>
+            <a:gs pos="100000">
+              <a:schemeClr val="phClr">
+                <a:shade val="94000"/>
+                <a:satMod val="135000"/>
+              </a:schemeClr>
+            </a:gs>
+          </a:gsLst>
+          <a:lin ang="16200000" scaled="0"/>
+        </a:gradFill>
+      </a:fillStyleLst>
+      <a:lnStyleLst>
+        <a:ln w="9525" cap="flat" cmpd="sng" algn="ctr">
+          <a:solidFill>
+            <a:schemeClr val="phClr">
+              <a:shade val="95000"/>
+              <a:satMod val="105000"/>
+            </a:schemeClr>
+          </a:solidFill>
+          <a:prstDash val="solid"/>
+        </a:ln>
+        <a:ln w="25400" cap="flat" cmpd="sng" algn="ctr">
+          <a:solidFill>
+            <a:schemeClr val="phClr"/>
+          </a:solidFill>
+          <a:prstDash val="solid"/>
+        </a:ln>
+        <a:ln w="38100" cap="flat" cmpd="sng" algn="ctr">
+          <a:solidFill>
+            <a:schemeClr val="phClr"/>
+          </a:solidFill>
+          <a:prstDash val="solid"/>
+        </a:ln>
+      </a:lnStyleLst>
+      <a:effectStyleLst>
+        <a:effectStyle>
+          <a:effectLst>
+            <a:outerShdw blurRad="40000" dist="20000" dir="5400000" rotWithShape="0">
+              <a:srgbClr val="000000">
+                <a:alpha val="38000"/>
+              </a:srgbClr>
+            </a:outerShdw>
+          </a:effectLst>
+        </a:effectStyle>
+        <a:effectStyle>
+          <a:effectLst>
+            <a:outerShdw blurRad="40000" dist="23000" dir="5400000" rotWithShape="0">
+              <a:srgbClr val="000000">
+                <a:alpha val="35000"/>
+              </a:srgbClr>
+            </a:outerShdw>
+          </a:effectLst>
+        </a:effectStyle>
+        <a:effectStyle>
+          <a:effectLst>
+            <a:outerShdw blurRad="40000" dist="23000" dir="5400000" rotWithShape="0">
+              <a:srgbClr val="000000">
+                <a:alpha val="35000"/>
+              </a:srgbClr>
+            </a:outerShdw>
+          </a:effectLst>
+          <a:scene3d>
+            <a:camera prst="orthographicFront">
+              <a:rot lat="0" lon="0" rev="0"/>
+            </a:camera>
+            <a:lightRig rig="threePt" dir="t">
+              <a:rot lat="0" lon="0" rev="1200000"/>
+            </a:lightRig>
+          </a:scene3d>
+          <a:sp3d>
+            <a:bevelT w="63500" h="25400"/>
+          </a:sp3d>
+        </a:effectStyle>
+      </a:effectStyleLst>
+      <a:bgFillStyleLst>
+        <a:solidFill>
+          <a:schemeClr val="phClr"/>
+        </a:solidFill>
+        <a:gradFill rotWithShape="1">
+          <a:gsLst>
+            <a:gs pos="0">
+              <a:schemeClr val="phClr">
+                <a:tint val="40000"/>
+                <a:satMod val="350000"/>
+              </a:schemeClr>
+            </a:gs>
+            <a:gs pos="40000">
+              <a:schemeClr val="phClr">
+                <a:tint val="45000"/>
+                <a:shade val="99000"/>
+                <a:satMod val="350000"/>
+              </a:schemeClr>
+            </a:gs>
+            <a:gs pos="100000">
+              <a:schemeClr val="phClr">
+                <a:shade val="20000"/>
+                <a:satMod val="255000"/>
+              </a:schemeClr>
+            </a:gs>
+          </a:gsLst>
+          <a:path path="circle">
+            <a:fillToRect l="50000" t="-80000" r="50000" b="180000"/>
+          </a:path>
+        </a:gradFill>
+        <a:gradFill rotWithShape="1">
+          <a:gsLst>
+            <a:gs pos="0">
+              <a:schemeClr val="phClr">
+                <a:tint val="80000"/>
+                <a:satMod val="300000"/>
+              </a:schemeClr>
+            </a:gs>
+            <a:gs pos="100000">
+              <a:schemeClr val="phClr">
+                <a:shade val="30000"/>
+                <a:satMod val="200000"/>
+              </a:schemeClr>
+            </a:gs>
+          </a:gsLst>
+          <a:path path="circle">
+            <a:fillToRect l="50000" t="50000" r="50000" b="50000"/>
+          </a:path>
+        </a:gradFill>
+      </a:bgFillStyleLst>
+    </a:fmtScheme>
+  </a:themeElements>
+  <a:objectDefaults/>
+  <a:extraClrSchemeLst/>
+</a:theme>
 </file>